--- a/CSE101-S19/Slides/PPT/CSE101_Lec0.pptx
+++ b/CSE101-S19/Slides/PPT/CSE101_Lec0.pptx
@@ -5,28 +5,30 @@
     <p:sldMasterId id="2147483902" r:id="rId1"/>
   </p:sldMasterIdLst>
   <p:notesMasterIdLst>
-    <p:notesMasterId r:id="rId21"/>
+    <p:notesMasterId r:id="rId23"/>
   </p:notesMasterIdLst>
   <p:sldIdLst>
     <p:sldId id="256" r:id="rId2"/>
     <p:sldId id="257" r:id="rId3"/>
     <p:sldId id="258" r:id="rId4"/>
-    <p:sldId id="277" r:id="rId5"/>
-    <p:sldId id="259" r:id="rId6"/>
-    <p:sldId id="260" r:id="rId7"/>
-    <p:sldId id="271" r:id="rId8"/>
-    <p:sldId id="261" r:id="rId9"/>
-    <p:sldId id="262" r:id="rId10"/>
-    <p:sldId id="263" r:id="rId11"/>
-    <p:sldId id="273" r:id="rId12"/>
-    <p:sldId id="264" r:id="rId13"/>
-    <p:sldId id="269" r:id="rId14"/>
-    <p:sldId id="266" r:id="rId15"/>
-    <p:sldId id="274" r:id="rId16"/>
-    <p:sldId id="265" r:id="rId17"/>
-    <p:sldId id="268" r:id="rId18"/>
-    <p:sldId id="275" r:id="rId19"/>
-    <p:sldId id="276" r:id="rId20"/>
+    <p:sldId id="278" r:id="rId5"/>
+    <p:sldId id="277" r:id="rId6"/>
+    <p:sldId id="259" r:id="rId7"/>
+    <p:sldId id="260" r:id="rId8"/>
+    <p:sldId id="271" r:id="rId9"/>
+    <p:sldId id="261" r:id="rId10"/>
+    <p:sldId id="279" r:id="rId11"/>
+    <p:sldId id="262" r:id="rId12"/>
+    <p:sldId id="263" r:id="rId13"/>
+    <p:sldId id="273" r:id="rId14"/>
+    <p:sldId id="264" r:id="rId15"/>
+    <p:sldId id="269" r:id="rId16"/>
+    <p:sldId id="266" r:id="rId17"/>
+    <p:sldId id="274" r:id="rId18"/>
+    <p:sldId id="265" r:id="rId19"/>
+    <p:sldId id="268" r:id="rId20"/>
+    <p:sldId id="275" r:id="rId21"/>
+    <p:sldId id="276" r:id="rId22"/>
   </p:sldIdLst>
   <p:sldSz cx="9144000" cy="6858000" type="screen4x3"/>
   <p:notesSz cx="6858000" cy="9144000"/>
@@ -226,7 +228,7 @@
           <a:p>
             <a:fld id="{672A025E-C960-4AB6-8E8E-0EE6D13ED4ED}" type="datetimeFigureOut">
               <a:rPr lang="en-US" smtClean="0"/>
-              <a:t>2/21/2019</a:t>
+              <a:t>2/24/2019</a:t>
             </a:fld>
             <a:endParaRPr lang="en-US"/>
           </a:p>
@@ -719,7 +721,7 @@
           <a:p>
             <a:fld id="{C9450245-6F3E-4E49-A01A-33C72AF40E97}" type="datetime1">
               <a:rPr lang="en-US" smtClean="0"/>
-              <a:t>2/21/2019</a:t>
+              <a:t>2/24/2019</a:t>
             </a:fld>
             <a:endParaRPr lang="en-US" dirty="0"/>
           </a:p>
@@ -931,7 +933,7 @@
           <a:p>
             <a:fld id="{9D941E2E-9E30-4203-ABFC-10F381BF2A12}" type="datetime1">
               <a:rPr lang="en-US" smtClean="0"/>
-              <a:t>2/22/2019</a:t>
+              <a:t>2/24/2019</a:t>
             </a:fld>
             <a:endParaRPr lang="en-US"/>
           </a:p>
@@ -1192,7 +1194,7 @@
           <a:p>
             <a:fld id="{9D941E2E-9E30-4203-ABFC-10F381BF2A12}" type="datetime1">
               <a:rPr lang="en-US" smtClean="0"/>
-              <a:t>2/22/2019</a:t>
+              <a:t>2/24/2019</a:t>
             </a:fld>
             <a:endParaRPr lang="en-US"/>
           </a:p>
@@ -1367,7 +1369,7 @@
           <a:p>
             <a:fld id="{9D941E2E-9E30-4203-ABFC-10F381BF2A12}" type="datetime1">
               <a:rPr lang="en-US" smtClean="0"/>
-              <a:t>2/22/2019</a:t>
+              <a:t>2/24/2019</a:t>
             </a:fld>
             <a:endParaRPr lang="en-US"/>
           </a:p>
@@ -1715,7 +1717,7 @@
           <a:p>
             <a:fld id="{51173CD0-6D6C-4FEA-9A98-7F5E7DAD237A}" type="datetime1">
               <a:rPr lang="en-US" smtClean="0"/>
-              <a:t>2/22/2019</a:t>
+              <a:t>2/24/2019</a:t>
             </a:fld>
             <a:endParaRPr lang="en-US"/>
           </a:p>
@@ -1994,7 +1996,7 @@
           <a:p>
             <a:fld id="{9D941E2E-9E30-4203-ABFC-10F381BF2A12}" type="datetime1">
               <a:rPr lang="en-US" smtClean="0"/>
-              <a:t>2/22/2019</a:t>
+              <a:t>2/24/2019</a:t>
             </a:fld>
             <a:endParaRPr lang="en-US"/>
           </a:p>
@@ -2378,7 +2380,7 @@
           <a:p>
             <a:fld id="{9D941E2E-9E30-4203-ABFC-10F381BF2A12}" type="datetime1">
               <a:rPr lang="en-US" smtClean="0"/>
-              <a:t>2/22/2019</a:t>
+              <a:t>2/24/2019</a:t>
             </a:fld>
             <a:endParaRPr lang="en-US"/>
           </a:p>
@@ -2501,7 +2503,7 @@
           <a:p>
             <a:fld id="{4C94B876-920C-40A7-A429-70EA2E711116}" type="datetime1">
               <a:rPr lang="en-US" smtClean="0"/>
-              <a:t>2/22/2019</a:t>
+              <a:t>2/24/2019</a:t>
             </a:fld>
             <a:endParaRPr lang="en-US"/>
           </a:p>
@@ -2676,7 +2678,7 @@
           <a:p>
             <a:fld id="{687BB759-A4D2-4F8B-AEBE-C918CFB723A5}" type="datetime1">
               <a:rPr lang="en-US" smtClean="0"/>
-              <a:t>2/22/2019</a:t>
+              <a:t>2/24/2019</a:t>
             </a:fld>
             <a:endParaRPr lang="en-US"/>
           </a:p>
@@ -3034,7 +3036,7 @@
           <a:p>
             <a:fld id="{9D941E2E-9E30-4203-ABFC-10F381BF2A12}" type="datetime1">
               <a:rPr lang="en-US" smtClean="0"/>
-              <a:t>2/22/2019</a:t>
+              <a:t>2/24/2019</a:t>
             </a:fld>
             <a:endParaRPr lang="en-US"/>
           </a:p>
@@ -3421,7 +3423,7 @@
           <a:p>
             <a:fld id="{B7BE5A15-D7AD-40D4-96ED-A55891BF6EC5}" type="datetime1">
               <a:rPr lang="en-US" smtClean="0"/>
-              <a:t>2/22/2019</a:t>
+              <a:t>2/24/2019</a:t>
             </a:fld>
             <a:endParaRPr lang="en-US"/>
           </a:p>
@@ -3712,7 +3714,7 @@
           <a:p>
             <a:fld id="{9D941E2E-9E30-4203-ABFC-10F381BF2A12}" type="datetime1">
               <a:rPr lang="en-US" smtClean="0"/>
-              <a:t>2/22/2019</a:t>
+              <a:t>2/24/2019</a:t>
             </a:fld>
             <a:endParaRPr lang="en-US"/>
           </a:p>
@@ -4387,7 +4389,13 @@
       </p:grpSpPr>
       <p:sp>
         <p:nvSpPr>
-          <p:cNvPr id="2" name="Title 1"/>
+          <p:cNvPr id="2" name="Title 1">
+            <a:extLst>
+              <a:ext uri="{FF2B5EF4-FFF2-40B4-BE49-F238E27FC236}">
+                <a16:creationId xmlns:a16="http://schemas.microsoft.com/office/drawing/2014/main" id="{10B2549B-26E9-4EAD-81C9-9CE0EA7CB0C7}"/>
+              </a:ext>
+            </a:extLst>
+          </p:cNvPr>
           <p:cNvSpPr>
             <a:spLocks noGrp="1"/>
           </p:cNvSpPr>
@@ -4402,14 +4410,20 @@
           <a:p>
             <a:r>
               <a:rPr lang="en-US" dirty="0"/>
-              <a:t>Late Homework Policy</a:t>
-            </a:r>
-          </a:p>
-        </p:txBody>
-      </p:sp>
-      <p:sp>
-        <p:nvSpPr>
-          <p:cNvPr id="3" name="Content Placeholder 2"/>
+              <a:t>Software</a:t>
+            </a:r>
+          </a:p>
+        </p:txBody>
+      </p:sp>
+      <p:sp>
+        <p:nvSpPr>
+          <p:cNvPr id="3" name="Content Placeholder 2">
+            <a:extLst>
+              <a:ext uri="{FF2B5EF4-FFF2-40B4-BE49-F238E27FC236}">
+                <a16:creationId xmlns:a16="http://schemas.microsoft.com/office/drawing/2014/main" id="{F65C88CD-8943-4FCC-B5BA-7E97563F0596}"/>
+              </a:ext>
+            </a:extLst>
+          </p:cNvPr>
           <p:cNvSpPr>
             <a:spLocks noGrp="1"/>
           </p:cNvSpPr>
@@ -4417,48 +4431,56 @@
             <p:ph idx="1"/>
           </p:nvPr>
         </p:nvSpPr>
-        <p:spPr>
-          <a:xfrm>
-            <a:off x="326371" y="1882588"/>
-            <a:ext cx="8629370" cy="4320987"/>
-          </a:xfrm>
-        </p:spPr>
-        <p:txBody>
-          <a:bodyPr>
-            <a:normAutofit/>
-          </a:bodyPr>
-          <a:lstStyle/>
-          <a:p>
-            <a:r>
-              <a:rPr lang="en-US" dirty="0"/>
-              <a:t>Assignments must be turned in by the due date and time.</a:t>
-            </a:r>
-          </a:p>
-          <a:p>
-            <a:pPr lvl="1"/>
-            <a:r>
-              <a:rPr lang="en-US" dirty="0"/>
-              <a:t>Any part of an assignment that’s late means the entire assignment is late.</a:t>
-            </a:r>
-          </a:p>
-          <a:p>
-            <a:pPr lvl="1"/>
-            <a:r>
-              <a:rPr lang="en-US" dirty="0"/>
-              <a:t>If your assignment is incomplete or not entirely working by the due date, turn in what you have to get some partial credit.</a:t>
-            </a:r>
-          </a:p>
-          <a:p>
-            <a:r>
-              <a:rPr lang="en-US" dirty="0"/>
-              <a:t>If you have an emergency situation, email me before the due date and I may be able to work something out</a:t>
-            </a:r>
-          </a:p>
-          <a:p>
-            <a:r>
-              <a:rPr lang="en-US" dirty="0"/>
-              <a:t>Bottom line: Plan ahead, start early!</a:t>
-            </a:r>
+        <p:spPr/>
+        <p:txBody>
+          <a:bodyPr/>
+          <a:lstStyle/>
+          <a:p>
+            <a:pPr>
+              <a:spcBef>
+                <a:spcPts val="0"/>
+              </a:spcBef>
+            </a:pPr>
+            <a:r>
+              <a:rPr lang="en-US" dirty="0"/>
+              <a:t>Necessary software: Python (www.python.org/downloads) and PyCharm</a:t>
+            </a:r>
+          </a:p>
+          <a:p>
+            <a:pPr lvl="1">
+              <a:spcBef>
+                <a:spcPts val="0"/>
+              </a:spcBef>
+            </a:pPr>
+            <a:r>
+              <a:rPr lang="en-US" dirty="0"/>
+              <a:t>These are all free!</a:t>
+            </a:r>
+          </a:p>
+          <a:p>
+            <a:pPr>
+              <a:spcBef>
+                <a:spcPts val="0"/>
+              </a:spcBef>
+            </a:pPr>
+            <a:r>
+              <a:rPr lang="en-US" dirty="0"/>
+              <a:t>Download links will be available on the course website</a:t>
+            </a:r>
+          </a:p>
+          <a:p>
+            <a:pPr>
+              <a:spcBef>
+                <a:spcPts val="0"/>
+              </a:spcBef>
+            </a:pPr>
+            <a:r>
+              <a:rPr lang="en-US" dirty="0"/>
+              <a:t>We will use one of the first few classes to setup the software and get familiar with it</a:t>
+            </a:r>
+          </a:p>
+          <a:p>
+            <a:endParaRPr lang="en-US" dirty="0"/>
           </a:p>
         </p:txBody>
       </p:sp>
@@ -4467,7 +4489,7 @@
           <p:cNvPr id="4" name="Footer Placeholder 3">
             <a:extLst>
               <a:ext uri="{FF2B5EF4-FFF2-40B4-BE49-F238E27FC236}">
-                <a16:creationId xmlns:a16="http://schemas.microsoft.com/office/drawing/2014/main" id="{EA2BC2E6-B95C-4F6B-8FEC-5DF5A5EF6ABA}"/>
+                <a16:creationId xmlns:a16="http://schemas.microsoft.com/office/drawing/2014/main" id="{0C06F226-4140-404C-867D-5ED2794B7B30}"/>
               </a:ext>
             </a:extLst>
           </p:cNvPr>
@@ -4484,17 +4506,10 @@
           <a:lstStyle/>
           <a:p>
             <a:r>
-              <a:rPr lang="en-US" dirty="0"/>
-              <a:t>(c) Arthur Lee, Tony </a:t>
-            </a:r>
-            <a:r>
-              <a:rPr lang="en-US" dirty="0" err="1"/>
-              <a:t>Mione</a:t>
-            </a:r>
-            <a:r>
-              <a:rPr lang="en-US" dirty="0"/>
-              <a:t>, Pravin Pawar - SUNY Korea - CSE 101</a:t>
-            </a:r>
+              <a:rPr lang="en-US"/>
+              <a:t>(c) Arthur Lee, Tony Mione, Pravin Pawar - SUNY Korea - CSE 101</a:t>
+            </a:r>
+            <a:endParaRPr lang="en-US" dirty="0"/>
           </a:p>
         </p:txBody>
       </p:sp>
@@ -4503,7 +4518,7 @@
           <p:cNvPr id="5" name="Slide Number Placeholder 4">
             <a:extLst>
               <a:ext uri="{FF2B5EF4-FFF2-40B4-BE49-F238E27FC236}">
-                <a16:creationId xmlns:a16="http://schemas.microsoft.com/office/drawing/2014/main" id="{BE32E5AE-E36C-4C58-8023-42772454AA57}"/>
+                <a16:creationId xmlns:a16="http://schemas.microsoft.com/office/drawing/2014/main" id="{0C52D005-17E7-4EFD-8C3B-C1E65F5132E0}"/>
               </a:ext>
             </a:extLst>
           </p:cNvPr>
@@ -4527,10 +4542,104 @@
           </a:p>
         </p:txBody>
       </p:sp>
+      <p:pic>
+        <p:nvPicPr>
+          <p:cNvPr id="2050" name="Picture 2" descr="Related image">
+            <a:extLst>
+              <a:ext uri="{FF2B5EF4-FFF2-40B4-BE49-F238E27FC236}">
+                <a16:creationId xmlns:a16="http://schemas.microsoft.com/office/drawing/2014/main" id="{CAD4535E-CBBC-4D54-8074-AEAD7138E0A6}"/>
+              </a:ext>
+            </a:extLst>
+          </p:cNvPr>
+          <p:cNvPicPr>
+            <a:picLocks noChangeAspect="1" noChangeArrowheads="1"/>
+          </p:cNvPicPr>
+          <p:nvPr/>
+        </p:nvPicPr>
+        <p:blipFill>
+          <a:blip r:embed="rId2">
+            <a:extLst>
+              <a:ext uri="{28A0092B-C50C-407E-A947-70E740481C1C}">
+                <a14:useLocalDpi xmlns:a14="http://schemas.microsoft.com/office/drawing/2010/main" val="0"/>
+              </a:ext>
+            </a:extLst>
+          </a:blip>
+          <a:srcRect/>
+          <a:stretch>
+            <a:fillRect/>
+          </a:stretch>
+        </p:blipFill>
+        <p:spPr bwMode="auto">
+          <a:xfrm>
+            <a:off x="1119555" y="3857414"/>
+            <a:ext cx="2211418" cy="2211418"/>
+          </a:xfrm>
+          <a:prstGeom prst="rect">
+            <a:avLst/>
+          </a:prstGeom>
+          <a:noFill/>
+          <a:extLst>
+            <a:ext uri="{909E8E84-426E-40DD-AFC4-6F175D3DCCD1}">
+              <a14:hiddenFill xmlns:a14="http://schemas.microsoft.com/office/drawing/2010/main">
+                <a:solidFill>
+                  <a:srgbClr val="FFFFFF"/>
+                </a:solidFill>
+              </a14:hiddenFill>
+            </a:ext>
+          </a:extLst>
+        </p:spPr>
+      </p:pic>
+      <p:pic>
+        <p:nvPicPr>
+          <p:cNvPr id="2052" name="Picture 4" descr="Image result for pycharm">
+            <a:extLst>
+              <a:ext uri="{FF2B5EF4-FFF2-40B4-BE49-F238E27FC236}">
+                <a16:creationId xmlns:a16="http://schemas.microsoft.com/office/drawing/2014/main" id="{C6F3C2AB-2A56-43A2-A76D-8C85046D5AB9}"/>
+              </a:ext>
+            </a:extLst>
+          </p:cNvPr>
+          <p:cNvPicPr>
+            <a:picLocks noChangeAspect="1" noChangeArrowheads="1"/>
+          </p:cNvPicPr>
+          <p:nvPr/>
+        </p:nvPicPr>
+        <p:blipFill>
+          <a:blip r:embed="rId3">
+            <a:extLst>
+              <a:ext uri="{28A0092B-C50C-407E-A947-70E740481C1C}">
+                <a14:useLocalDpi xmlns:a14="http://schemas.microsoft.com/office/drawing/2010/main" val="0"/>
+              </a:ext>
+            </a:extLst>
+          </a:blip>
+          <a:srcRect/>
+          <a:stretch>
+            <a:fillRect/>
+          </a:stretch>
+        </p:blipFill>
+        <p:spPr bwMode="auto">
+          <a:xfrm>
+            <a:off x="5035755" y="3766049"/>
+            <a:ext cx="2211418" cy="2211418"/>
+          </a:xfrm>
+          <a:prstGeom prst="rect">
+            <a:avLst/>
+          </a:prstGeom>
+          <a:noFill/>
+          <a:extLst>
+            <a:ext uri="{909E8E84-426E-40DD-AFC4-6F175D3DCCD1}">
+              <a14:hiddenFill xmlns:a14="http://schemas.microsoft.com/office/drawing/2010/main">
+                <a:solidFill>
+                  <a:srgbClr val="FFFFFF"/>
+                </a:solidFill>
+              </a14:hiddenFill>
+            </a:ext>
+          </a:extLst>
+        </p:spPr>
+      </p:pic>
     </p:spTree>
     <p:extLst>
       <p:ext uri="{BB962C8B-B14F-4D97-AF65-F5344CB8AC3E}">
-        <p14:creationId xmlns:p14="http://schemas.microsoft.com/office/powerpoint/2010/main" val="4190834668"/>
+        <p14:creationId xmlns:p14="http://schemas.microsoft.com/office/powerpoint/2010/main" val="283828893"/>
       </p:ext>
     </p:extLst>
   </p:cSld>
@@ -4574,7 +4683,7 @@
           <a:p>
             <a:r>
               <a:rPr lang="en-US" dirty="0"/>
-              <a:t>Cooperation vs. Copying</a:t>
+              <a:t>Homework Assignments</a:t>
             </a:r>
           </a:p>
         </p:txBody>
@@ -4591,8 +4700,8 @@
         </p:nvSpPr>
         <p:spPr>
           <a:xfrm>
-            <a:off x="252598" y="1828800"/>
-            <a:ext cx="8622461" cy="4446494"/>
+            <a:off x="389122" y="1766046"/>
+            <a:ext cx="8432149" cy="4589929"/>
           </a:xfrm>
         </p:spPr>
         <p:txBody>
@@ -4601,64 +4710,103 @@
           </a:bodyPr>
           <a:lstStyle/>
           <a:p>
-            <a:r>
-              <a:rPr lang="en-US" dirty="0"/>
-              <a:t>Cooperation (talking over problems) is a good way to learn and is encouraged</a:t>
-            </a:r>
-          </a:p>
-          <a:p>
-            <a:r>
-              <a:rPr lang="en-US" b="1" i="1" dirty="0"/>
-              <a:t>Do not copy code. Do not let others look at or copy your code.</a:t>
-            </a:r>
-          </a:p>
-          <a:p>
-            <a:r>
-              <a:rPr lang="en-US" dirty="0"/>
-              <a:t>Copying is not allowed on homework or exams no matter the source (written or verbal)</a:t>
-            </a:r>
-          </a:p>
-          <a:p>
-            <a:pPr lvl="1">
-              <a:buFont typeface="Wingdings" panose="05000000000000000000" pitchFamily="2" charset="2"/>
-              <a:buChar char="Ø"/>
+            <a:pPr>
+              <a:spcBef>
+                <a:spcPts val="0"/>
+              </a:spcBef>
             </a:pPr>
             <a:r>
               <a:rPr lang="en-US" dirty="0"/>
-              <a:t>When you submit your homework or tests, </a:t>
+              <a:t>Over the course of the term you will be required to solve computational problems by writing software in Python</a:t>
+            </a:r>
+          </a:p>
+          <a:p>
+            <a:pPr>
+              <a:spcBef>
+                <a:spcPts val="0"/>
+              </a:spcBef>
+            </a:pPr>
+            <a:r>
+              <a:rPr lang="en-US" dirty="0"/>
+              <a:t>These homework assignments will reinforce concepts from class and have you explore new concepts, too</a:t>
+            </a:r>
+          </a:p>
+          <a:p>
+            <a:pPr>
+              <a:spcBef>
+                <a:spcPts val="0"/>
+              </a:spcBef>
+            </a:pPr>
+            <a:r>
+              <a:rPr lang="en-US" dirty="0"/>
+              <a:t>All work will due on fixed dates and times</a:t>
+            </a:r>
+          </a:p>
+          <a:p>
+            <a:pPr>
+              <a:spcBef>
+                <a:spcPts val="0"/>
+              </a:spcBef>
+            </a:pPr>
+            <a:r>
+              <a:rPr lang="en-US" dirty="0"/>
+              <a:t>All work will be completed on an individual basis (write your own code) </a:t>
+            </a:r>
+            <a:r>
+              <a:rPr lang="en-US" i="1" dirty="0"/>
+              <a:t>unless otherwise instructed</a:t>
+            </a:r>
+            <a:r>
+              <a:rPr lang="en-US" dirty="0"/>
+              <a:t>!</a:t>
+            </a:r>
+          </a:p>
+          <a:p>
+            <a:pPr>
+              <a:spcBef>
+                <a:spcPts val="0"/>
+              </a:spcBef>
+            </a:pPr>
+            <a:r>
+              <a:rPr lang="en-US" dirty="0"/>
+              <a:t>You will use </a:t>
             </a:r>
             <a:r>
               <a:rPr lang="en-US" b="1" dirty="0"/>
-              <a:t>you are pledging that the work is your own and you have not copied it. </a:t>
-            </a:r>
-          </a:p>
-          <a:p>
-            <a:pPr lvl="1">
-              <a:buFont typeface="Wingdings" panose="05000000000000000000" pitchFamily="2" charset="2"/>
-              <a:buChar char="Ø"/>
+              <a:t>Blackboard </a:t>
+            </a:r>
+            <a:r>
+              <a:rPr lang="en-US" dirty="0"/>
+              <a:t>to submit your completed assignments</a:t>
+            </a:r>
+          </a:p>
+          <a:p>
+            <a:pPr>
+              <a:spcBef>
+                <a:spcPts val="0"/>
+              </a:spcBef>
             </a:pPr>
             <a:r>
+              <a:rPr lang="en-US" dirty="0"/>
+              <a:t>Please start early on the assignments! Most students find that completing the homework assignments for CSE 101 takes </a:t>
+            </a:r>
+            <a:r>
               <a:rPr lang="en-US" b="1" dirty="0"/>
-              <a:t>You are also pledging that you have not allowed others to copy it</a:t>
-            </a:r>
-            <a:r>
-              <a:rPr lang="en-US" dirty="0"/>
-              <a:t>.</a:t>
-            </a:r>
-          </a:p>
-          <a:p>
-            <a:r>
-              <a:rPr lang="en-US" b="1" dirty="0"/>
-              <a:t>DO NOT COPY! (</a:t>
-            </a:r>
-            <a:r>
-              <a:rPr lang="en-US" b="1" i="1" dirty="0"/>
-              <a:t>Software tools catch it easily</a:t>
-            </a:r>
-            <a:r>
-              <a:rPr lang="en-US" b="1" dirty="0"/>
-              <a:t>)</a:t>
-            </a:r>
+              <a:t>a lot </a:t>
+            </a:r>
+            <a:r>
+              <a:rPr lang="en-US" dirty="0"/>
+              <a:t>longer than they anticipated</a:t>
+            </a:r>
+          </a:p>
+          <a:p>
+            <a:pPr marL="0" indent="0">
+              <a:spcBef>
+                <a:spcPts val="0"/>
+              </a:spcBef>
+              <a:buNone/>
+            </a:pPr>
+            <a:endParaRPr lang="en-US" dirty="0"/>
           </a:p>
         </p:txBody>
       </p:sp>
@@ -4667,7 +4815,7 @@
           <p:cNvPr id="4" name="Footer Placeholder 3">
             <a:extLst>
               <a:ext uri="{FF2B5EF4-FFF2-40B4-BE49-F238E27FC236}">
-                <a16:creationId xmlns:a16="http://schemas.microsoft.com/office/drawing/2014/main" id="{4ABBC619-FF2E-4AF5-91C3-BAE55A9E4C7A}"/>
+                <a16:creationId xmlns:a16="http://schemas.microsoft.com/office/drawing/2014/main" id="{5F96E361-E938-4823-A54F-1E02FD617F9F}"/>
               </a:ext>
             </a:extLst>
           </p:cNvPr>
@@ -4703,7 +4851,7 @@
           <p:cNvPr id="5" name="Slide Number Placeholder 4">
             <a:extLst>
               <a:ext uri="{FF2B5EF4-FFF2-40B4-BE49-F238E27FC236}">
-                <a16:creationId xmlns:a16="http://schemas.microsoft.com/office/drawing/2014/main" id="{369A8F6B-3E45-4D27-89FF-4A941AA395FB}"/>
+                <a16:creationId xmlns:a16="http://schemas.microsoft.com/office/drawing/2014/main" id="{D6D13B4E-3C08-4202-A33A-B8A93087FAC9}"/>
               </a:ext>
             </a:extLst>
           </p:cNvPr>
@@ -4730,7 +4878,7 @@
     </p:spTree>
     <p:extLst>
       <p:ext uri="{BB962C8B-B14F-4D97-AF65-F5344CB8AC3E}">
-        <p14:creationId xmlns:p14="http://schemas.microsoft.com/office/powerpoint/2010/main" val="4159009217"/>
+        <p14:creationId xmlns:p14="http://schemas.microsoft.com/office/powerpoint/2010/main" val="2710503015"/>
       </p:ext>
     </p:extLst>
   </p:cSld>
@@ -4774,7 +4922,7 @@
           <a:p>
             <a:r>
               <a:rPr lang="en-US" dirty="0"/>
-              <a:t>Lab</a:t>
+              <a:t>Late Homework Policy</a:t>
             </a:r>
           </a:p>
         </p:txBody>
@@ -4791,8 +4939,8 @@
         </p:nvSpPr>
         <p:spPr>
           <a:xfrm>
-            <a:off x="460842" y="2043954"/>
-            <a:ext cx="8154240" cy="3931920"/>
+            <a:off x="326371" y="1882588"/>
+            <a:ext cx="8629370" cy="4320987"/>
           </a:xfrm>
         </p:spPr>
         <p:txBody>
@@ -4801,47 +4949,35 @@
           </a:bodyPr>
           <a:lstStyle/>
           <a:p>
-            <a:pPr>
-              <a:spcBef>
-                <a:spcPts val="0"/>
-              </a:spcBef>
-            </a:pPr>
-            <a:r>
-              <a:rPr lang="en-US" dirty="0"/>
-              <a:t>Lab exercises will involve a variety of programming tasks, such as:</a:t>
-            </a:r>
-          </a:p>
-          <a:p>
-            <a:pPr lvl="1">
-              <a:spcBef>
-                <a:spcPts val="0"/>
-              </a:spcBef>
-            </a:pPr>
-            <a:r>
-              <a:rPr lang="en-US" dirty="0"/>
-              <a:t>running existing programs and collecting data about them</a:t>
-            </a:r>
-          </a:p>
-          <a:p>
-            <a:pPr lvl="1">
-              <a:spcBef>
-                <a:spcPts val="0"/>
-              </a:spcBef>
-            </a:pPr>
-            <a:r>
-              <a:rPr lang="en-US" dirty="0"/>
-              <a:t>writing your own, original, short programs to solve problems</a:t>
-            </a:r>
-          </a:p>
-          <a:p>
-            <a:pPr lvl="1">
-              <a:spcBef>
-                <a:spcPts val="0"/>
-              </a:spcBef>
-            </a:pPr>
-            <a:r>
-              <a:rPr lang="en-US" dirty="0"/>
-              <a:t>fixing errors in programs</a:t>
+            <a:r>
+              <a:rPr lang="en-US" dirty="0"/>
+              <a:t>Assignments must be turned in by the due date and time.</a:t>
+            </a:r>
+          </a:p>
+          <a:p>
+            <a:pPr lvl="1"/>
+            <a:r>
+              <a:rPr lang="en-US" dirty="0"/>
+              <a:t>Any part of an assignment that’s late means the entire assignment is late.</a:t>
+            </a:r>
+          </a:p>
+          <a:p>
+            <a:pPr lvl="1"/>
+            <a:r>
+              <a:rPr lang="en-US" dirty="0"/>
+              <a:t>If your assignment is incomplete or not entirely working by the due date, turn in what you have to get some partial credit.</a:t>
+            </a:r>
+          </a:p>
+          <a:p>
+            <a:r>
+              <a:rPr lang="en-US" dirty="0"/>
+              <a:t>If you have an emergency situation, email me before the due date and I may be able to work something out</a:t>
+            </a:r>
+          </a:p>
+          <a:p>
+            <a:r>
+              <a:rPr lang="en-US" dirty="0"/>
+              <a:t>Bottom line: Plan ahead, start early!</a:t>
             </a:r>
           </a:p>
         </p:txBody>
@@ -4851,7 +4987,7 @@
           <p:cNvPr id="4" name="Footer Placeholder 3">
             <a:extLst>
               <a:ext uri="{FF2B5EF4-FFF2-40B4-BE49-F238E27FC236}">
-                <a16:creationId xmlns:a16="http://schemas.microsoft.com/office/drawing/2014/main" id="{B319A262-24FE-43F3-AE52-93F22451C503}"/>
+                <a16:creationId xmlns:a16="http://schemas.microsoft.com/office/drawing/2014/main" id="{EA2BC2E6-B95C-4F6B-8FEC-5DF5A5EF6ABA}"/>
               </a:ext>
             </a:extLst>
           </p:cNvPr>
@@ -4887,7 +5023,7 @@
           <p:cNvPr id="5" name="Slide Number Placeholder 4">
             <a:extLst>
               <a:ext uri="{FF2B5EF4-FFF2-40B4-BE49-F238E27FC236}">
-                <a16:creationId xmlns:a16="http://schemas.microsoft.com/office/drawing/2014/main" id="{C27486D5-8D4D-4F0D-AD74-88025151BC56}"/>
+                <a16:creationId xmlns:a16="http://schemas.microsoft.com/office/drawing/2014/main" id="{BE32E5AE-E36C-4C58-8023-42772454AA57}"/>
               </a:ext>
             </a:extLst>
           </p:cNvPr>
@@ -4914,7 +5050,7 @@
     </p:spTree>
     <p:extLst>
       <p:ext uri="{BB962C8B-B14F-4D97-AF65-F5344CB8AC3E}">
-        <p14:creationId xmlns:p14="http://schemas.microsoft.com/office/powerpoint/2010/main" val="1640071576"/>
+        <p14:creationId xmlns:p14="http://schemas.microsoft.com/office/powerpoint/2010/main" val="4190834668"/>
       </p:ext>
     </p:extLst>
   </p:cSld>
@@ -4958,7 +5094,7 @@
           <a:p>
             <a:r>
               <a:rPr lang="en-US" dirty="0"/>
-              <a:t>Examinations</a:t>
+              <a:t>Cooperation vs. Copying</a:t>
             </a:r>
           </a:p>
         </p:txBody>
@@ -4975,8 +5111,8 @@
         </p:nvSpPr>
         <p:spPr>
           <a:xfrm>
-            <a:off x="281547" y="1757082"/>
-            <a:ext cx="8629371" cy="4536141"/>
+            <a:off x="252598" y="1828800"/>
+            <a:ext cx="8622461" cy="4446494"/>
           </a:xfrm>
         </p:spPr>
         <p:txBody>
@@ -4985,91 +5121,63 @@
           </a:bodyPr>
           <a:lstStyle/>
           <a:p>
-            <a:pPr>
-              <a:spcBef>
-                <a:spcPts val="0"/>
-              </a:spcBef>
+            <a:r>
+              <a:rPr lang="en-US" dirty="0"/>
+              <a:t>Cooperation (talking over problems) is a good way to learn and is encouraged</a:t>
+            </a:r>
+          </a:p>
+          <a:p>
+            <a:r>
+              <a:rPr lang="en-US" b="1" i="1" dirty="0"/>
+              <a:t>Do not copy code. Do not let others look at or copy your code.</a:t>
+            </a:r>
+          </a:p>
+          <a:p>
+            <a:r>
+              <a:rPr lang="en-US" dirty="0"/>
+              <a:t>Copying is not allowed on homework or exams no matter the source (written or verbal)</a:t>
+            </a:r>
+          </a:p>
+          <a:p>
+            <a:pPr lvl="1">
+              <a:buFont typeface="Wingdings" panose="05000000000000000000" pitchFamily="2" charset="2"/>
+              <a:buChar char="Ø"/>
             </a:pPr>
             <a:r>
               <a:rPr lang="en-US" dirty="0"/>
-              <a:t>Examination dates will be posted on the schedule page of the course website. Tentative dates are:</a:t>
+              <a:t>When you submit your homework or tests, </a:t>
+            </a:r>
+            <a:r>
+              <a:rPr lang="en-US" b="1" dirty="0"/>
+              <a:t>you are pledging that the work is your own and you have not copied it. </a:t>
             </a:r>
           </a:p>
           <a:p>
             <a:pPr lvl="1">
-              <a:spcBef>
-                <a:spcPts val="0"/>
-              </a:spcBef>
+              <a:buFont typeface="Wingdings" panose="05000000000000000000" pitchFamily="2" charset="2"/>
+              <a:buChar char="Ø"/>
             </a:pPr>
             <a:r>
-              <a:rPr lang="en-US" dirty="0"/>
-              <a:t>Midterm exam 1: Thu, 11 April</a:t>
-            </a:r>
-          </a:p>
-          <a:p>
-            <a:pPr lvl="1">
-              <a:spcBef>
-                <a:spcPts val="0"/>
-              </a:spcBef>
-            </a:pPr>
-            <a:r>
-              <a:rPr lang="en-US" dirty="0"/>
-              <a:t>Midterm exam 2: Thu, 16 May</a:t>
-            </a:r>
-          </a:p>
-          <a:p>
-            <a:pPr lvl="1">
-              <a:spcBef>
-                <a:spcPts val="0"/>
-              </a:spcBef>
-            </a:pPr>
-            <a:r>
-              <a:rPr lang="en-US" dirty="0"/>
-              <a:t>Final exam: June 18, 3:15 – 5:45 PM</a:t>
-            </a:r>
-          </a:p>
-          <a:p>
-            <a:pPr>
-              <a:spcBef>
-                <a:spcPts val="0"/>
-              </a:spcBef>
-            </a:pPr>
-            <a:r>
-              <a:rPr lang="en-US" dirty="0"/>
-              <a:t>Do not miss exams</a:t>
-            </a:r>
-          </a:p>
-          <a:p>
-            <a:pPr>
-              <a:spcBef>
-                <a:spcPts val="0"/>
-              </a:spcBef>
-            </a:pPr>
-            <a:r>
-              <a:rPr lang="en-US" dirty="0"/>
-              <a:t>Arrange your work and travel schedules as needed to be present for examinations</a:t>
-            </a:r>
-          </a:p>
-          <a:p>
-            <a:pPr>
-              <a:spcBef>
-                <a:spcPts val="0"/>
-              </a:spcBef>
-            </a:pPr>
-            <a:r>
-              <a:rPr lang="en-US" dirty="0"/>
-              <a:t>Makeup exams will only be given for verified, officially sanctioned university activities. All makeup examinations may be oral.</a:t>
-            </a:r>
-          </a:p>
-          <a:p>
-            <a:pPr>
-              <a:spcBef>
-                <a:spcPts val="0"/>
-              </a:spcBef>
-            </a:pPr>
-            <a:r>
-              <a:rPr lang="en-US" dirty="0"/>
-              <a:t>All examinations will be closed-notes and closed-book, except one sheet of notes (A4 or 8.5x11), both sides, handwritten</a:t>
+              <a:rPr lang="en-US" b="1" dirty="0"/>
+              <a:t>You are also pledging that you have not allowed others to copy it</a:t>
+            </a:r>
+            <a:r>
+              <a:rPr lang="en-US" dirty="0"/>
+              <a:t>.</a:t>
+            </a:r>
+          </a:p>
+          <a:p>
+            <a:r>
+              <a:rPr lang="en-US" b="1" dirty="0"/>
+              <a:t>DO NOT COPY! (</a:t>
+            </a:r>
+            <a:r>
+              <a:rPr lang="en-US" b="1" i="1" dirty="0"/>
+              <a:t>Software tools catch it easily</a:t>
+            </a:r>
+            <a:r>
+              <a:rPr lang="en-US" b="1" dirty="0"/>
+              <a:t>)</a:t>
             </a:r>
           </a:p>
         </p:txBody>
@@ -5079,7 +5187,7 @@
           <p:cNvPr id="4" name="Footer Placeholder 3">
             <a:extLst>
               <a:ext uri="{FF2B5EF4-FFF2-40B4-BE49-F238E27FC236}">
-                <a16:creationId xmlns:a16="http://schemas.microsoft.com/office/drawing/2014/main" id="{0D2B9A11-1172-4DBD-A1C3-4253FCB4887C}"/>
+                <a16:creationId xmlns:a16="http://schemas.microsoft.com/office/drawing/2014/main" id="{4ABBC619-FF2E-4AF5-91C3-BAE55A9E4C7A}"/>
               </a:ext>
             </a:extLst>
           </p:cNvPr>
@@ -5115,7 +5223,7 @@
           <p:cNvPr id="5" name="Slide Number Placeholder 4">
             <a:extLst>
               <a:ext uri="{FF2B5EF4-FFF2-40B4-BE49-F238E27FC236}">
-                <a16:creationId xmlns:a16="http://schemas.microsoft.com/office/drawing/2014/main" id="{2E4AF1E9-DAEC-4625-9311-00B831764945}"/>
+                <a16:creationId xmlns:a16="http://schemas.microsoft.com/office/drawing/2014/main" id="{369A8F6B-3E45-4D27-89FF-4A941AA395FB}"/>
               </a:ext>
             </a:extLst>
           </p:cNvPr>
@@ -5142,7 +5250,7 @@
     </p:spTree>
     <p:extLst>
       <p:ext uri="{BB962C8B-B14F-4D97-AF65-F5344CB8AC3E}">
-        <p14:creationId xmlns:p14="http://schemas.microsoft.com/office/powerpoint/2010/main" val="1826292571"/>
+        <p14:creationId xmlns:p14="http://schemas.microsoft.com/office/powerpoint/2010/main" val="4159009217"/>
       </p:ext>
     </p:extLst>
   </p:cSld>
@@ -5186,7 +5294,7 @@
           <a:p>
             <a:r>
               <a:rPr lang="en-US" dirty="0"/>
-              <a:t>Grading</a:t>
+              <a:t>Lab</a:t>
             </a:r>
           </a:p>
         </p:txBody>
@@ -5203,75 +5311,57 @@
         </p:nvSpPr>
         <p:spPr>
           <a:xfrm>
-            <a:off x="604277" y="1963271"/>
-            <a:ext cx="7921158" cy="4168588"/>
+            <a:off x="460842" y="2043954"/>
+            <a:ext cx="8154240" cy="3931920"/>
           </a:xfrm>
         </p:spPr>
         <p:txBody>
           <a:bodyPr>
-            <a:normAutofit fontScale="92500" lnSpcReduction="10000"/>
+            <a:normAutofit/>
           </a:bodyPr>
           <a:lstStyle/>
           <a:p>
-            <a:r>
-              <a:rPr lang="en-US" dirty="0"/>
-              <a:t>Quizzes - 15% (75 points) - Short quizzes [4 given, lowest grade dropped] </a:t>
-            </a:r>
-          </a:p>
-          <a:p>
-            <a:r>
-              <a:rPr lang="en-US" dirty="0"/>
-              <a:t>Problem Sets - 20% (100 points) - Problem sets [5 assignments given, lowest grade dropped] </a:t>
-            </a:r>
-          </a:p>
-          <a:p>
-            <a:r>
-              <a:rPr lang="en-US" dirty="0"/>
-              <a:t>Labs - 10% (50 points) - Labs [~10 graded lab sessions] </a:t>
-            </a:r>
-          </a:p>
-          <a:p>
-            <a:r>
-              <a:rPr lang="en-US" dirty="0"/>
-              <a:t>Class Attendance/Participation - 5% (25 points)</a:t>
-            </a:r>
-          </a:p>
-          <a:p>
-            <a:r>
-              <a:rPr lang="en-US" dirty="0"/>
-              <a:t>Midterm Exam 1 - 15% (75 points) - First midterm exam </a:t>
-            </a:r>
-          </a:p>
-          <a:p>
-            <a:r>
-              <a:rPr lang="en-US" dirty="0"/>
-              <a:t>Midterm Exam 2 - 15% (75 points) - Second midterm exam </a:t>
-            </a:r>
-          </a:p>
-          <a:p>
-            <a:r>
-              <a:rPr lang="en-US" dirty="0"/>
-              <a:t>Final Exam - 20% (100 points) - A cumulative final exam </a:t>
-            </a:r>
-          </a:p>
-          <a:p>
-            <a:r>
-              <a:rPr lang="en-US" dirty="0"/>
-              <a:t>Policies:</a:t>
-            </a:r>
-          </a:p>
-          <a:p>
-            <a:pPr lvl="1"/>
-            <a:r>
-              <a:rPr lang="en-US" dirty="0"/>
-              <a:t>Makeup exams will only be given for verified, officially sanctioned university activities</a:t>
-            </a:r>
-          </a:p>
-          <a:p>
-            <a:pPr lvl="1"/>
-            <a:r>
-              <a:rPr lang="en-US" dirty="0"/>
-              <a:t>All makeup exams may be oral</a:t>
+            <a:pPr>
+              <a:spcBef>
+                <a:spcPts val="0"/>
+              </a:spcBef>
+            </a:pPr>
+            <a:r>
+              <a:rPr lang="en-US" sz="2400" dirty="0"/>
+              <a:t>Lab exercises will involve a variety of programming tasks, such as:</a:t>
+            </a:r>
+          </a:p>
+          <a:p>
+            <a:pPr lvl="1">
+              <a:spcBef>
+                <a:spcPts val="0"/>
+              </a:spcBef>
+            </a:pPr>
+            <a:r>
+              <a:rPr lang="en-US" sz="2000" dirty="0"/>
+              <a:t>running existing programs and collecting data about them</a:t>
+            </a:r>
+          </a:p>
+          <a:p>
+            <a:pPr lvl="1">
+              <a:spcBef>
+                <a:spcPts val="0"/>
+              </a:spcBef>
+            </a:pPr>
+            <a:r>
+              <a:rPr lang="en-US" sz="2000" dirty="0"/>
+              <a:t>writing your own, original, short programs to solve problems</a:t>
+            </a:r>
+          </a:p>
+          <a:p>
+            <a:pPr lvl="1">
+              <a:spcBef>
+                <a:spcPts val="0"/>
+              </a:spcBef>
+            </a:pPr>
+            <a:r>
+              <a:rPr lang="en-US" sz="2000" dirty="0"/>
+              <a:t>fixing errors in programs</a:t>
             </a:r>
           </a:p>
         </p:txBody>
@@ -5281,7 +5371,7 @@
           <p:cNvPr id="4" name="Footer Placeholder 3">
             <a:extLst>
               <a:ext uri="{FF2B5EF4-FFF2-40B4-BE49-F238E27FC236}">
-                <a16:creationId xmlns:a16="http://schemas.microsoft.com/office/drawing/2014/main" id="{069D016B-8D1D-4788-A640-08E4FD7AACDC}"/>
+                <a16:creationId xmlns:a16="http://schemas.microsoft.com/office/drawing/2014/main" id="{B319A262-24FE-43F3-AE52-93F22451C503}"/>
               </a:ext>
             </a:extLst>
           </p:cNvPr>
@@ -5317,7 +5407,7 @@
           <p:cNvPr id="5" name="Slide Number Placeholder 4">
             <a:extLst>
               <a:ext uri="{FF2B5EF4-FFF2-40B4-BE49-F238E27FC236}">
-                <a16:creationId xmlns:a16="http://schemas.microsoft.com/office/drawing/2014/main" id="{EFD070D0-8706-4FCB-9697-A6B5C4AB901A}"/>
+                <a16:creationId xmlns:a16="http://schemas.microsoft.com/office/drawing/2014/main" id="{C27486D5-8D4D-4F0D-AD74-88025151BC56}"/>
               </a:ext>
             </a:extLst>
           </p:cNvPr>
@@ -5344,7 +5434,7 @@
     </p:spTree>
     <p:extLst>
       <p:ext uri="{BB962C8B-B14F-4D97-AF65-F5344CB8AC3E}">
-        <p14:creationId xmlns:p14="http://schemas.microsoft.com/office/powerpoint/2010/main" val="3454922462"/>
+        <p14:creationId xmlns:p14="http://schemas.microsoft.com/office/powerpoint/2010/main" val="1640071576"/>
       </p:ext>
     </p:extLst>
   </p:cSld>
@@ -5373,13 +5463,7 @@
       </p:grpSpPr>
       <p:sp>
         <p:nvSpPr>
-          <p:cNvPr id="2" name="Title 1">
-            <a:extLst>
-              <a:ext uri="{FF2B5EF4-FFF2-40B4-BE49-F238E27FC236}">
-                <a16:creationId xmlns:a16="http://schemas.microsoft.com/office/drawing/2014/main" id="{7F4DAAB4-6182-4038-AA4F-029432279421}"/>
-              </a:ext>
-            </a:extLst>
-          </p:cNvPr>
+          <p:cNvPr id="2" name="Title 1"/>
           <p:cNvSpPr>
             <a:spLocks noGrp="1"/>
           </p:cNvSpPr>
@@ -5394,20 +5478,14 @@
           <a:p>
             <a:r>
               <a:rPr lang="en-US" dirty="0"/>
-              <a:t>Re-Grading</a:t>
-            </a:r>
-          </a:p>
-        </p:txBody>
-      </p:sp>
-      <p:sp>
-        <p:nvSpPr>
-          <p:cNvPr id="3" name="Content Placeholder 2">
-            <a:extLst>
-              <a:ext uri="{FF2B5EF4-FFF2-40B4-BE49-F238E27FC236}">
-                <a16:creationId xmlns:a16="http://schemas.microsoft.com/office/drawing/2014/main" id="{42177A47-BD4C-4148-85FD-5D22F0F02837}"/>
-              </a:ext>
-            </a:extLst>
-          </p:cNvPr>
+              <a:t>Examinations</a:t>
+            </a:r>
+          </a:p>
+        </p:txBody>
+      </p:sp>
+      <p:sp>
+        <p:nvSpPr>
+          <p:cNvPr id="3" name="Content Placeholder 2"/>
           <p:cNvSpPr>
             <a:spLocks noGrp="1"/>
           </p:cNvSpPr>
@@ -5417,12 +5495,14 @@
         </p:nvSpPr>
         <p:spPr>
           <a:xfrm>
-            <a:off x="317405" y="1837765"/>
-            <a:ext cx="8485935" cy="4231342"/>
+            <a:off x="281547" y="1757082"/>
+            <a:ext cx="8629371" cy="4536141"/>
           </a:xfrm>
         </p:spPr>
         <p:txBody>
-          <a:bodyPr/>
+          <a:bodyPr>
+            <a:normAutofit/>
+          </a:bodyPr>
           <a:lstStyle/>
           <a:p>
             <a:pPr>
@@ -5432,7 +5512,40 @@
             </a:pPr>
             <a:r>
               <a:rPr lang="en-US" dirty="0"/>
-              <a:t>To promote consistency of grading, questions and concerns about grading should be addressed first to the TA and then, if that does not resolve the issue, to the instructor.</a:t>
+              <a:t>Examination dates will be posted on the schedule page of the course website. Tentative dates are:</a:t>
+            </a:r>
+          </a:p>
+          <a:p>
+            <a:pPr lvl="1">
+              <a:spcBef>
+                <a:spcPts val="0"/>
+              </a:spcBef>
+            </a:pPr>
+            <a:r>
+              <a:rPr lang="en-US" dirty="0"/>
+              <a:t>Midterm exam 1: Thu, 11 April</a:t>
+            </a:r>
+          </a:p>
+          <a:p>
+            <a:pPr lvl="1">
+              <a:spcBef>
+                <a:spcPts val="0"/>
+              </a:spcBef>
+            </a:pPr>
+            <a:r>
+              <a:rPr lang="en-US" dirty="0"/>
+              <a:t>Midterm exam 2: Thu, 16 May</a:t>
+            </a:r>
+          </a:p>
+          <a:p>
+            <a:pPr lvl="1">
+              <a:spcBef>
+                <a:spcPts val="0"/>
+              </a:spcBef>
+            </a:pPr>
+            <a:r>
+              <a:rPr lang="en-US" dirty="0"/>
+              <a:t>Final exam: June 18, 3:15 – 5:45 PM</a:t>
             </a:r>
           </a:p>
           <a:p>
@@ -5443,7 +5556,7 @@
             </a:pPr>
             <a:r>
               <a:rPr lang="en-US" dirty="0"/>
-              <a:t>You are welcome to contact the TA by email or come to his/her office hour. If you would like to speak with the TA in person, and have a schedule conflict with his/her office hour, you are welcome to make an appointment to meet the TA at another time.</a:t>
+              <a:t>Do not miss exams</a:t>
             </a:r>
           </a:p>
           <a:p>
@@ -5454,7 +5567,29 @@
             </a:pPr>
             <a:r>
               <a:rPr lang="en-US" dirty="0"/>
-              <a:t>For the assignments, quizzes and mid-term exams, request for re-grading must be made within one week from after the announcement of grades.</a:t>
+              <a:t>Arrange your work and travel schedules as needed to be present for examinations</a:t>
+            </a:r>
+          </a:p>
+          <a:p>
+            <a:pPr>
+              <a:spcBef>
+                <a:spcPts val="0"/>
+              </a:spcBef>
+            </a:pPr>
+            <a:r>
+              <a:rPr lang="en-US" dirty="0"/>
+              <a:t>Makeup exams will only be given for verified, officially sanctioned university activities. </a:t>
+            </a:r>
+          </a:p>
+          <a:p>
+            <a:pPr>
+              <a:spcBef>
+                <a:spcPts val="0"/>
+              </a:spcBef>
+            </a:pPr>
+            <a:r>
+              <a:rPr lang="en-US" dirty="0"/>
+              <a:t>All examinations will be closed-notes and closed-book, except one sheet of notes (A4 or 8.5x11), both sides, handwritten</a:t>
             </a:r>
           </a:p>
         </p:txBody>
@@ -5464,7 +5599,7 @@
           <p:cNvPr id="4" name="Footer Placeholder 3">
             <a:extLst>
               <a:ext uri="{FF2B5EF4-FFF2-40B4-BE49-F238E27FC236}">
-                <a16:creationId xmlns:a16="http://schemas.microsoft.com/office/drawing/2014/main" id="{69E843FA-0127-4C77-84AF-6A4187B2A4E3}"/>
+                <a16:creationId xmlns:a16="http://schemas.microsoft.com/office/drawing/2014/main" id="{0D2B9A11-1172-4DBD-A1C3-4253FCB4887C}"/>
               </a:ext>
             </a:extLst>
           </p:cNvPr>
@@ -5500,7 +5635,7 @@
           <p:cNvPr id="5" name="Slide Number Placeholder 4">
             <a:extLst>
               <a:ext uri="{FF2B5EF4-FFF2-40B4-BE49-F238E27FC236}">
-                <a16:creationId xmlns:a16="http://schemas.microsoft.com/office/drawing/2014/main" id="{0CCB933E-65CD-44F8-B9EB-6D52638CC647}"/>
+                <a16:creationId xmlns:a16="http://schemas.microsoft.com/office/drawing/2014/main" id="{2E4AF1E9-DAEC-4625-9311-00B831764945}"/>
               </a:ext>
             </a:extLst>
           </p:cNvPr>
@@ -5527,7 +5662,7 @@
     </p:spTree>
     <p:extLst>
       <p:ext uri="{BB962C8B-B14F-4D97-AF65-F5344CB8AC3E}">
-        <p14:creationId xmlns:p14="http://schemas.microsoft.com/office/powerpoint/2010/main" val="3315483013"/>
+        <p14:creationId xmlns:p14="http://schemas.microsoft.com/office/powerpoint/2010/main" val="1826292571"/>
       </p:ext>
     </p:extLst>
   </p:cSld>
@@ -5571,7 +5706,7 @@
           <a:p>
             <a:r>
               <a:rPr lang="en-US" dirty="0"/>
-              <a:t>TA Assistance</a:t>
+              <a:t>Grading</a:t>
             </a:r>
           </a:p>
         </p:txBody>
@@ -5588,46 +5723,75 @@
         </p:nvSpPr>
         <p:spPr>
           <a:xfrm>
-            <a:off x="469806" y="1918448"/>
-            <a:ext cx="8181135" cy="4258234"/>
+            <a:off x="604277" y="1963271"/>
+            <a:ext cx="7921158" cy="4168588"/>
           </a:xfrm>
         </p:spPr>
         <p:txBody>
           <a:bodyPr>
-            <a:normAutofit/>
+            <a:normAutofit fontScale="92500" lnSpcReduction="10000"/>
           </a:bodyPr>
           <a:lstStyle/>
           <a:p>
             <a:r>
               <a:rPr lang="en-US" dirty="0"/>
-              <a:t>TAs are available almost every day each week</a:t>
+              <a:t>Quizzes - 15% (75 points) - Short quizzes [4 given, lowest grade dropped] </a:t>
+            </a:r>
+          </a:p>
+          <a:p>
+            <a:r>
+              <a:rPr lang="en-US" dirty="0"/>
+              <a:t>Problem Sets - 20% (100 points) - Problem sets [5 assignments given, lowest grade dropped] </a:t>
+            </a:r>
+          </a:p>
+          <a:p>
+            <a:r>
+              <a:rPr lang="en-US" dirty="0"/>
+              <a:t>Labs - 10% (50 points) - Labs [~10 graded lab sessions] </a:t>
+            </a:r>
+          </a:p>
+          <a:p>
+            <a:r>
+              <a:rPr lang="en-US" dirty="0"/>
+              <a:t>Class Attendance/Participation - 5% (25 points)</a:t>
+            </a:r>
+          </a:p>
+          <a:p>
+            <a:r>
+              <a:rPr lang="en-US" dirty="0"/>
+              <a:t>Midterm Exam 1 - 15% (75 points) - First midterm exam </a:t>
+            </a:r>
+          </a:p>
+          <a:p>
+            <a:r>
+              <a:rPr lang="en-US" dirty="0"/>
+              <a:t>Midterm Exam 2 - 15% (75 points) - Second midterm exam </a:t>
+            </a:r>
+          </a:p>
+          <a:p>
+            <a:r>
+              <a:rPr lang="en-US" dirty="0"/>
+              <a:t>Final Exam - 20% (100 points) - A cumulative final exam </a:t>
+            </a:r>
+          </a:p>
+          <a:p>
+            <a:r>
+              <a:rPr lang="en-US" dirty="0"/>
+              <a:t>Policies:</a:t>
             </a:r>
           </a:p>
           <a:p>
             <a:pPr lvl="1"/>
             <a:r>
               <a:rPr lang="en-US" dirty="0"/>
-              <a:t>Schedule is forthcoming (posted on course web)</a:t>
+              <a:t>Makeup exams will only be given for verified, officially sanctioned university activities</a:t>
             </a:r>
           </a:p>
           <a:p>
             <a:pPr lvl="1"/>
             <a:r>
               <a:rPr lang="en-US" dirty="0"/>
-              <a:t>In “CS Commons” (next to CSD office)</a:t>
-            </a:r>
-          </a:p>
-          <a:p>
-            <a:r>
-              <a:rPr lang="en-US" dirty="0"/>
-              <a:t>Come with specific questions and/or code with which you need help</a:t>
-            </a:r>
-          </a:p>
-          <a:p>
-            <a:pPr lvl="1"/>
-            <a:r>
-              <a:rPr lang="en-US" dirty="0"/>
-              <a:t>TAs strive to spend time with everyone that comes to a session so be courteous and share the TA’s attention</a:t>
+              <a:t>All makeup exams may be oral</a:t>
             </a:r>
           </a:p>
         </p:txBody>
@@ -5637,7 +5801,7 @@
           <p:cNvPr id="4" name="Footer Placeholder 3">
             <a:extLst>
               <a:ext uri="{FF2B5EF4-FFF2-40B4-BE49-F238E27FC236}">
-                <a16:creationId xmlns:a16="http://schemas.microsoft.com/office/drawing/2014/main" id="{0FF305C1-95E2-4639-8346-DB850D6271A9}"/>
+                <a16:creationId xmlns:a16="http://schemas.microsoft.com/office/drawing/2014/main" id="{069D016B-8D1D-4788-A640-08E4FD7AACDC}"/>
               </a:ext>
             </a:extLst>
           </p:cNvPr>
@@ -5673,7 +5837,7 @@
           <p:cNvPr id="5" name="Slide Number Placeholder 4">
             <a:extLst>
               <a:ext uri="{FF2B5EF4-FFF2-40B4-BE49-F238E27FC236}">
-                <a16:creationId xmlns:a16="http://schemas.microsoft.com/office/drawing/2014/main" id="{AF52C82D-E031-4630-9738-E209BB139D95}"/>
+                <a16:creationId xmlns:a16="http://schemas.microsoft.com/office/drawing/2014/main" id="{EFD070D0-8706-4FCB-9697-A6B5C4AB901A}"/>
               </a:ext>
             </a:extLst>
           </p:cNvPr>
@@ -5700,7 +5864,7 @@
     </p:spTree>
     <p:extLst>
       <p:ext uri="{BB962C8B-B14F-4D97-AF65-F5344CB8AC3E}">
-        <p14:creationId xmlns:p14="http://schemas.microsoft.com/office/powerpoint/2010/main" val="3793580446"/>
+        <p14:creationId xmlns:p14="http://schemas.microsoft.com/office/powerpoint/2010/main" val="3454922462"/>
       </p:ext>
     </p:extLst>
   </p:cSld>
@@ -5729,7 +5893,13 @@
       </p:grpSpPr>
       <p:sp>
         <p:nvSpPr>
-          <p:cNvPr id="2" name="Title 1"/>
+          <p:cNvPr id="2" name="Title 1">
+            <a:extLst>
+              <a:ext uri="{FF2B5EF4-FFF2-40B4-BE49-F238E27FC236}">
+                <a16:creationId xmlns:a16="http://schemas.microsoft.com/office/drawing/2014/main" id="{7F4DAAB4-6182-4038-AA4F-029432279421}"/>
+              </a:ext>
+            </a:extLst>
+          </p:cNvPr>
           <p:cNvSpPr>
             <a:spLocks noGrp="1"/>
           </p:cNvSpPr>
@@ -5744,14 +5914,20 @@
           <a:p>
             <a:r>
               <a:rPr lang="en-US" dirty="0"/>
-              <a:t>Electronics in Class</a:t>
-            </a:r>
-          </a:p>
-        </p:txBody>
-      </p:sp>
-      <p:sp>
-        <p:nvSpPr>
-          <p:cNvPr id="3" name="Content Placeholder 2"/>
+              <a:t>Re-Grading</a:t>
+            </a:r>
+          </a:p>
+        </p:txBody>
+      </p:sp>
+      <p:sp>
+        <p:nvSpPr>
+          <p:cNvPr id="3" name="Content Placeholder 2">
+            <a:extLst>
+              <a:ext uri="{FF2B5EF4-FFF2-40B4-BE49-F238E27FC236}">
+                <a16:creationId xmlns:a16="http://schemas.microsoft.com/office/drawing/2014/main" id="{42177A47-BD4C-4148-85FD-5D22F0F02837}"/>
+              </a:ext>
+            </a:extLst>
+          </p:cNvPr>
           <p:cNvSpPr>
             <a:spLocks noGrp="1"/>
           </p:cNvSpPr>
@@ -5759,34 +5935,46 @@
             <p:ph idx="1"/>
           </p:nvPr>
         </p:nvSpPr>
-        <p:spPr/>
-        <p:txBody>
-          <a:bodyPr>
-            <a:normAutofit/>
-          </a:bodyPr>
-          <a:lstStyle/>
-          <a:p>
-            <a:r>
-              <a:rPr lang="en-US" dirty="0"/>
-              <a:t>Cell phones should be put away during class</a:t>
-            </a:r>
-          </a:p>
-          <a:p>
-            <a:r>
-              <a:rPr lang="en-US" dirty="0"/>
-              <a:t>Laptops may be used during periods where you are asked to work on an exercise during class</a:t>
-            </a:r>
-          </a:p>
-          <a:p>
-            <a:r>
-              <a:rPr lang="en-US" dirty="0"/>
-              <a:t>Lecture slides are available on the course website for study before class</a:t>
-            </a:r>
-          </a:p>
-          <a:p>
-            <a:r>
-              <a:rPr lang="en-US" dirty="0"/>
-              <a:t>Talk to me after class if there’s an issue with this policy</a:t>
+        <p:spPr>
+          <a:xfrm>
+            <a:off x="317405" y="1837765"/>
+            <a:ext cx="8485935" cy="4231342"/>
+          </a:xfrm>
+        </p:spPr>
+        <p:txBody>
+          <a:bodyPr/>
+          <a:lstStyle/>
+          <a:p>
+            <a:pPr>
+              <a:spcBef>
+                <a:spcPts val="0"/>
+              </a:spcBef>
+            </a:pPr>
+            <a:r>
+              <a:rPr lang="en-US" dirty="0"/>
+              <a:t>To promote consistency of grading, questions and concerns about grading should be addressed first to the TA and then, if that does not resolve the issue, to the instructor.</a:t>
+            </a:r>
+          </a:p>
+          <a:p>
+            <a:pPr>
+              <a:spcBef>
+                <a:spcPts val="0"/>
+              </a:spcBef>
+            </a:pPr>
+            <a:r>
+              <a:rPr lang="en-US" dirty="0"/>
+              <a:t>You are welcome to contact the TA by email or come to his/her office hour. If you would like to speak with the TA in person, and have a schedule conflict with his/her office hour, you are welcome to make an appointment to meet the TA at another time.</a:t>
+            </a:r>
+          </a:p>
+          <a:p>
+            <a:pPr>
+              <a:spcBef>
+                <a:spcPts val="0"/>
+              </a:spcBef>
+            </a:pPr>
+            <a:r>
+              <a:rPr lang="en-US" dirty="0"/>
+              <a:t>For the assignments, quizzes and mid-term exams, request for re-grading must be made within one week from after the announcement of grades.</a:t>
             </a:r>
           </a:p>
         </p:txBody>
@@ -5796,7 +5984,7 @@
           <p:cNvPr id="4" name="Footer Placeholder 3">
             <a:extLst>
               <a:ext uri="{FF2B5EF4-FFF2-40B4-BE49-F238E27FC236}">
-                <a16:creationId xmlns:a16="http://schemas.microsoft.com/office/drawing/2014/main" id="{12D02A4C-B625-43FD-98E5-EFE04B4B19A0}"/>
+                <a16:creationId xmlns:a16="http://schemas.microsoft.com/office/drawing/2014/main" id="{69E843FA-0127-4C77-84AF-6A4187B2A4E3}"/>
               </a:ext>
             </a:extLst>
           </p:cNvPr>
@@ -5832,7 +6020,7 @@
           <p:cNvPr id="5" name="Slide Number Placeholder 4">
             <a:extLst>
               <a:ext uri="{FF2B5EF4-FFF2-40B4-BE49-F238E27FC236}">
-                <a16:creationId xmlns:a16="http://schemas.microsoft.com/office/drawing/2014/main" id="{B929D5EA-A9D5-45CB-B0E8-0CEAAF077A3E}"/>
+                <a16:creationId xmlns:a16="http://schemas.microsoft.com/office/drawing/2014/main" id="{0CCB933E-65CD-44F8-B9EB-6D52638CC647}"/>
               </a:ext>
             </a:extLst>
           </p:cNvPr>
@@ -5859,7 +6047,7 @@
     </p:spTree>
     <p:extLst>
       <p:ext uri="{BB962C8B-B14F-4D97-AF65-F5344CB8AC3E}">
-        <p14:creationId xmlns:p14="http://schemas.microsoft.com/office/powerpoint/2010/main" val="3352367462"/>
+        <p14:creationId xmlns:p14="http://schemas.microsoft.com/office/powerpoint/2010/main" val="3315483013"/>
       </p:ext>
     </p:extLst>
   </p:cSld>
@@ -5888,10 +6076,88 @@
       </p:grpSpPr>
       <p:sp>
         <p:nvSpPr>
-          <p:cNvPr id="2" name="Title 1">
+          <p:cNvPr id="2" name="Title 1"/>
+          <p:cNvSpPr>
+            <a:spLocks noGrp="1"/>
+          </p:cNvSpPr>
+          <p:nvPr>
+            <p:ph type="title"/>
+          </p:nvPr>
+        </p:nvSpPr>
+        <p:spPr/>
+        <p:txBody>
+          <a:bodyPr/>
+          <a:lstStyle/>
+          <a:p>
+            <a:r>
+              <a:rPr lang="en-US" dirty="0"/>
+              <a:t>TA Assistance</a:t>
+            </a:r>
+          </a:p>
+        </p:txBody>
+      </p:sp>
+      <p:sp>
+        <p:nvSpPr>
+          <p:cNvPr id="3" name="Content Placeholder 2"/>
+          <p:cNvSpPr>
+            <a:spLocks noGrp="1"/>
+          </p:cNvSpPr>
+          <p:nvPr>
+            <p:ph idx="1"/>
+          </p:nvPr>
+        </p:nvSpPr>
+        <p:spPr>
+          <a:xfrm>
+            <a:off x="469806" y="1918448"/>
+            <a:ext cx="8181135" cy="4258234"/>
+          </a:xfrm>
+        </p:spPr>
+        <p:txBody>
+          <a:bodyPr>
+            <a:normAutofit/>
+          </a:bodyPr>
+          <a:lstStyle/>
+          <a:p>
+            <a:r>
+              <a:rPr lang="en-US" dirty="0"/>
+              <a:t>TAs are available almost every day each week</a:t>
+            </a:r>
+          </a:p>
+          <a:p>
+            <a:pPr lvl="1"/>
+            <a:r>
+              <a:rPr lang="en-US" dirty="0"/>
+              <a:t>Schedule is forthcoming (posted on course web)</a:t>
+            </a:r>
+          </a:p>
+          <a:p>
+            <a:pPr lvl="1"/>
+            <a:r>
+              <a:rPr lang="en-US" dirty="0"/>
+              <a:t>In “CS Commons” (next to CSD office)</a:t>
+            </a:r>
+          </a:p>
+          <a:p>
+            <a:r>
+              <a:rPr lang="en-US" dirty="0"/>
+              <a:t>Come with specific questions and/or code with which you need help</a:t>
+            </a:r>
+          </a:p>
+          <a:p>
+            <a:pPr lvl="1"/>
+            <a:r>
+              <a:rPr lang="en-US" dirty="0"/>
+              <a:t>TAs strive to spend time with everyone that comes to a session so be courteous and share the TA’s attention</a:t>
+            </a:r>
+          </a:p>
+        </p:txBody>
+      </p:sp>
+      <p:sp>
+        <p:nvSpPr>
+          <p:cNvPr id="4" name="Footer Placeholder 3">
             <a:extLst>
               <a:ext uri="{FF2B5EF4-FFF2-40B4-BE49-F238E27FC236}">
-                <a16:creationId xmlns:a16="http://schemas.microsoft.com/office/drawing/2014/main" id="{C73A5A26-071C-4629-AD8B-34D7D3A3A1BE}"/>
+                <a16:creationId xmlns:a16="http://schemas.microsoft.com/office/drawing/2014/main" id="{0FF305C1-95E2-4639-8346-DB850D6271A9}"/>
               </a:ext>
             </a:extLst>
           </p:cNvPr>
@@ -5899,118 +6165,6 @@
             <a:spLocks noGrp="1"/>
           </p:cNvSpPr>
           <p:nvPr>
-            <p:ph type="title"/>
-          </p:nvPr>
-        </p:nvSpPr>
-        <p:spPr/>
-        <p:txBody>
-          <a:bodyPr/>
-          <a:lstStyle/>
-          <a:p>
-            <a:r>
-              <a:rPr lang="en-US" dirty="0"/>
-              <a:t>Disability</a:t>
-            </a:r>
-          </a:p>
-        </p:txBody>
-      </p:sp>
-      <p:sp>
-        <p:nvSpPr>
-          <p:cNvPr id="3" name="Content Placeholder 2">
-            <a:extLst>
-              <a:ext uri="{FF2B5EF4-FFF2-40B4-BE49-F238E27FC236}">
-                <a16:creationId xmlns:a16="http://schemas.microsoft.com/office/drawing/2014/main" id="{F9868F46-B405-4D00-AAB3-F99F7A97F44F}"/>
-              </a:ext>
-            </a:extLst>
-          </p:cNvPr>
-          <p:cNvSpPr>
-            <a:spLocks noGrp="1"/>
-          </p:cNvSpPr>
-          <p:nvPr>
-            <p:ph idx="1"/>
-          </p:nvPr>
-        </p:nvSpPr>
-        <p:spPr>
-          <a:xfrm>
-            <a:off x="317406" y="1882589"/>
-            <a:ext cx="8512829" cy="4052046"/>
-          </a:xfrm>
-        </p:spPr>
-        <p:txBody>
-          <a:bodyPr>
-            <a:normAutofit/>
-          </a:bodyPr>
-          <a:lstStyle/>
-          <a:p>
-            <a:pPr>
-              <a:spcBef>
-                <a:spcPts val="0"/>
-              </a:spcBef>
-            </a:pPr>
-            <a:r>
-              <a:rPr lang="en-US" dirty="0"/>
-              <a:t>If you have a physical, psychological, medical or learning disability, please contact the Student Services and Career Team.</a:t>
-            </a:r>
-          </a:p>
-          <a:p>
-            <a:pPr lvl="1">
-              <a:spcBef>
-                <a:spcPts val="0"/>
-              </a:spcBef>
-            </a:pPr>
-            <a:r>
-              <a:rPr lang="en-US" dirty="0"/>
-              <a:t>Location: Academic Building A208</a:t>
-            </a:r>
-          </a:p>
-          <a:p>
-            <a:pPr lvl="1">
-              <a:spcBef>
-                <a:spcPts val="0"/>
-              </a:spcBef>
-            </a:pPr>
-            <a:r>
-              <a:rPr lang="en-US" dirty="0"/>
-              <a:t>Phone: 626-1190</a:t>
-            </a:r>
-          </a:p>
-          <a:p>
-            <a:pPr>
-              <a:spcBef>
-                <a:spcPts val="0"/>
-              </a:spcBef>
-            </a:pPr>
-            <a:r>
-              <a:rPr lang="en-US" dirty="0"/>
-              <a:t>The DSS will determine with you what accommodations, if any, are necessary and appropriate</a:t>
-            </a:r>
-          </a:p>
-          <a:p>
-            <a:pPr>
-              <a:spcBef>
-                <a:spcPts val="0"/>
-              </a:spcBef>
-            </a:pPr>
-            <a:r>
-              <a:rPr lang="en-US" dirty="0"/>
-              <a:t>All information and documentation of disability is confidential</a:t>
-            </a:r>
-          </a:p>
-        </p:txBody>
-      </p:sp>
-      <p:sp>
-        <p:nvSpPr>
-          <p:cNvPr id="4" name="Footer Placeholder 3">
-            <a:extLst>
-              <a:ext uri="{FF2B5EF4-FFF2-40B4-BE49-F238E27FC236}">
-                <a16:creationId xmlns:a16="http://schemas.microsoft.com/office/drawing/2014/main" id="{D721A027-F33A-41F7-B640-A24FE736A2E9}"/>
-              </a:ext>
-            </a:extLst>
-          </p:cNvPr>
-          <p:cNvSpPr>
-            <a:spLocks noGrp="1"/>
-          </p:cNvSpPr>
-          <p:nvPr>
             <p:ph type="ftr" sz="quarter" idx="11"/>
           </p:nvPr>
         </p:nvSpPr>
@@ -6039,7 +6193,7 @@
           <p:cNvPr id="5" name="Slide Number Placeholder 4">
             <a:extLst>
               <a:ext uri="{FF2B5EF4-FFF2-40B4-BE49-F238E27FC236}">
-                <a16:creationId xmlns:a16="http://schemas.microsoft.com/office/drawing/2014/main" id="{15A1D9EE-CD9E-4C12-A7F9-A88E537210F5}"/>
+                <a16:creationId xmlns:a16="http://schemas.microsoft.com/office/drawing/2014/main" id="{AF52C82D-E031-4630-9738-E209BB139D95}"/>
               </a:ext>
             </a:extLst>
           </p:cNvPr>
@@ -6066,7 +6220,7 @@
     </p:spTree>
     <p:extLst>
       <p:ext uri="{BB962C8B-B14F-4D97-AF65-F5344CB8AC3E}">
-        <p14:creationId xmlns:p14="http://schemas.microsoft.com/office/powerpoint/2010/main" val="3555633094"/>
+        <p14:creationId xmlns:p14="http://schemas.microsoft.com/office/powerpoint/2010/main" val="3793580446"/>
       </p:ext>
     </p:extLst>
   </p:cSld>
@@ -6095,10 +6249,74 @@
       </p:grpSpPr>
       <p:sp>
         <p:nvSpPr>
-          <p:cNvPr id="2" name="Title 1">
+          <p:cNvPr id="2" name="Title 1"/>
+          <p:cNvSpPr>
+            <a:spLocks noGrp="1"/>
+          </p:cNvSpPr>
+          <p:nvPr>
+            <p:ph type="title"/>
+          </p:nvPr>
+        </p:nvSpPr>
+        <p:spPr/>
+        <p:txBody>
+          <a:bodyPr/>
+          <a:lstStyle/>
+          <a:p>
+            <a:r>
+              <a:rPr lang="en-US" dirty="0"/>
+              <a:t>Electronics in Class</a:t>
+            </a:r>
+          </a:p>
+        </p:txBody>
+      </p:sp>
+      <p:sp>
+        <p:nvSpPr>
+          <p:cNvPr id="3" name="Content Placeholder 2"/>
+          <p:cNvSpPr>
+            <a:spLocks noGrp="1"/>
+          </p:cNvSpPr>
+          <p:nvPr>
+            <p:ph idx="1"/>
+          </p:nvPr>
+        </p:nvSpPr>
+        <p:spPr/>
+        <p:txBody>
+          <a:bodyPr>
+            <a:normAutofit/>
+          </a:bodyPr>
+          <a:lstStyle/>
+          <a:p>
+            <a:r>
+              <a:rPr lang="en-US" dirty="0"/>
+              <a:t>Cell phones should be put away during class</a:t>
+            </a:r>
+          </a:p>
+          <a:p>
+            <a:r>
+              <a:rPr lang="en-US" dirty="0"/>
+              <a:t>Laptops may be used during periods where you are asked to work on an exercise during class</a:t>
+            </a:r>
+          </a:p>
+          <a:p>
+            <a:r>
+              <a:rPr lang="en-US" dirty="0"/>
+              <a:t>Lecture slides are available on the course website for study before class</a:t>
+            </a:r>
+          </a:p>
+          <a:p>
+            <a:r>
+              <a:rPr lang="en-US" dirty="0"/>
+              <a:t>Talk to me after class if there’s an issue with this policy</a:t>
+            </a:r>
+          </a:p>
+        </p:txBody>
+      </p:sp>
+      <p:sp>
+        <p:nvSpPr>
+          <p:cNvPr id="4" name="Footer Placeholder 3">
             <a:extLst>
               <a:ext uri="{FF2B5EF4-FFF2-40B4-BE49-F238E27FC236}">
-                <a16:creationId xmlns:a16="http://schemas.microsoft.com/office/drawing/2014/main" id="{567F05DD-4BE1-433D-A89C-5F78F8280258}"/>
+                <a16:creationId xmlns:a16="http://schemas.microsoft.com/office/drawing/2014/main" id="{12D02A4C-B625-43FD-98E5-EFE04B4B19A0}"/>
               </a:ext>
             </a:extLst>
           </p:cNvPr>
@@ -6106,180 +6324,6 @@
             <a:spLocks noGrp="1"/>
           </p:cNvSpPr>
           <p:nvPr>
-            <p:ph type="title"/>
-          </p:nvPr>
-        </p:nvSpPr>
-        <p:spPr/>
-        <p:txBody>
-          <a:bodyPr>
-            <a:normAutofit/>
-          </a:bodyPr>
-          <a:lstStyle/>
-          <a:p>
-            <a:r>
-              <a:rPr lang="en-US" dirty="0"/>
-              <a:t>How to Succeed in this Class</a:t>
-            </a:r>
-          </a:p>
-        </p:txBody>
-      </p:sp>
-      <p:sp>
-        <p:nvSpPr>
-          <p:cNvPr id="3" name="Content Placeholder 2">
-            <a:extLst>
-              <a:ext uri="{FF2B5EF4-FFF2-40B4-BE49-F238E27FC236}">
-                <a16:creationId xmlns:a16="http://schemas.microsoft.com/office/drawing/2014/main" id="{D545299D-A34A-49EA-A8D1-EFC2BF23B2B3}"/>
-              </a:ext>
-            </a:extLst>
-          </p:cNvPr>
-          <p:cNvSpPr>
-            <a:spLocks noGrp="1"/>
-          </p:cNvSpPr>
-          <p:nvPr>
-            <p:ph idx="1"/>
-          </p:nvPr>
-        </p:nvSpPr>
-        <p:spPr>
-          <a:xfrm>
-            <a:off x="254653" y="1703295"/>
-            <a:ext cx="8468007" cy="4598893"/>
-          </a:xfrm>
-        </p:spPr>
-        <p:txBody>
-          <a:bodyPr>
-            <a:noAutofit/>
-          </a:bodyPr>
-          <a:lstStyle/>
-          <a:p>
-            <a:r>
-              <a:rPr lang="en-US" sz="1600" dirty="0"/>
-              <a:t>Attend class and be on time!</a:t>
-            </a:r>
-          </a:p>
-          <a:p>
-            <a:pPr lvl="1"/>
-            <a:r>
-              <a:rPr lang="en-US" sz="1600" dirty="0"/>
-              <a:t>Not all information is in my lecture notes or in the book</a:t>
-            </a:r>
-          </a:p>
-          <a:p>
-            <a:pPr lvl="1"/>
-            <a:r>
-              <a:rPr lang="en-US" sz="1600" dirty="0"/>
-              <a:t>I sometimes do in-class demos that emphasize non-obvious details</a:t>
-            </a:r>
-          </a:p>
-          <a:p>
-            <a:pPr>
-              <a:spcBef>
-                <a:spcPts val="0"/>
-              </a:spcBef>
-            </a:pPr>
-            <a:r>
-              <a:rPr lang="en-US" sz="1600" dirty="0"/>
-              <a:t>This is an introductory course, true, but we’re going to cover a lot of ground and move quickly starting from scratch</a:t>
-            </a:r>
-          </a:p>
-          <a:p>
-            <a:pPr>
-              <a:spcBef>
-                <a:spcPts val="0"/>
-              </a:spcBef>
-            </a:pPr>
-            <a:r>
-              <a:rPr lang="en-US" sz="1600" dirty="0"/>
-              <a:t>The assigned work will take a lot of your time, so practice good time management</a:t>
-            </a:r>
-          </a:p>
-          <a:p>
-            <a:pPr>
-              <a:spcBef>
-                <a:spcPts val="0"/>
-              </a:spcBef>
-            </a:pPr>
-            <a:r>
-              <a:rPr lang="en-US" sz="1600" dirty="0"/>
-              <a:t>Read the reading assignments and review the lecture notes and try out example code</a:t>
-            </a:r>
-          </a:p>
-          <a:p>
-            <a:pPr lvl="1">
-              <a:spcBef>
-                <a:spcPts val="0"/>
-              </a:spcBef>
-            </a:pPr>
-            <a:r>
-              <a:rPr lang="en-US" sz="1600" dirty="0"/>
-              <a:t>Practice is the only way to become proficient at coding</a:t>
-            </a:r>
-          </a:p>
-          <a:p>
-            <a:pPr lvl="1"/>
-            <a:r>
-              <a:rPr lang="en-US" sz="1600" dirty="0"/>
-              <a:t>Very often your first, second, or third attempt at solving a problem will not be successful. It is </a:t>
-            </a:r>
-            <a:r>
-              <a:rPr lang="en-US" sz="1600" b="1" dirty="0"/>
-              <a:t>essential </a:t>
-            </a:r>
-            <a:r>
-              <a:rPr lang="en-US" sz="1600" dirty="0"/>
-              <a:t>that you give yourself enough time to try different ideas, taking breaks along the way!</a:t>
-            </a:r>
-          </a:p>
-          <a:p>
-            <a:pPr lvl="1"/>
-            <a:r>
-              <a:rPr lang="en-US" sz="1600" dirty="0"/>
-              <a:t>Those who write extra code for problems not assigned (“for fun”) generally do best in this class</a:t>
-            </a:r>
-          </a:p>
-          <a:p>
-            <a:pPr lvl="1"/>
-            <a:r>
-              <a:rPr lang="en-US" sz="1600" dirty="0"/>
-              <a:t>Learning to code involves learning to read other people’s code</a:t>
-            </a:r>
-          </a:p>
-          <a:p>
-            <a:pPr>
-              <a:spcBef>
-                <a:spcPts val="0"/>
-              </a:spcBef>
-            </a:pPr>
-            <a:r>
-              <a:rPr lang="en-US" sz="1600" dirty="0"/>
-              <a:t>Ask questions right away if confused. Ask in class, ask a TA, come to my office hours or send email. Don’t stay confused and don’t get behind!</a:t>
-            </a:r>
-          </a:p>
-          <a:p>
-            <a:pPr>
-              <a:spcBef>
-                <a:spcPts val="0"/>
-              </a:spcBef>
-            </a:pPr>
-            <a:r>
-              <a:rPr lang="en-US" sz="1600" dirty="0"/>
-              <a:t>Welcome and I hope you enjoy the class!</a:t>
-            </a:r>
-          </a:p>
-        </p:txBody>
-      </p:sp>
-      <p:sp>
-        <p:nvSpPr>
-          <p:cNvPr id="4" name="Footer Placeholder 3">
-            <a:extLst>
-              <a:ext uri="{FF2B5EF4-FFF2-40B4-BE49-F238E27FC236}">
-                <a16:creationId xmlns:a16="http://schemas.microsoft.com/office/drawing/2014/main" id="{F2E2C9BD-0184-4D90-B590-F1D02D97B933}"/>
-              </a:ext>
-            </a:extLst>
-          </p:cNvPr>
-          <p:cNvSpPr>
-            <a:spLocks noGrp="1"/>
-          </p:cNvSpPr>
-          <p:nvPr>
             <p:ph type="ftr" sz="quarter" idx="11"/>
           </p:nvPr>
         </p:nvSpPr>
@@ -6308,7 +6352,7 @@
           <p:cNvPr id="5" name="Slide Number Placeholder 4">
             <a:extLst>
               <a:ext uri="{FF2B5EF4-FFF2-40B4-BE49-F238E27FC236}">
-                <a16:creationId xmlns:a16="http://schemas.microsoft.com/office/drawing/2014/main" id="{0AF9C8A7-87BD-404A-9DDB-84FFAB0859BB}"/>
+                <a16:creationId xmlns:a16="http://schemas.microsoft.com/office/drawing/2014/main" id="{B929D5EA-A9D5-45CB-B0E8-0CEAAF077A3E}"/>
               </a:ext>
             </a:extLst>
           </p:cNvPr>
@@ -6335,7 +6379,7 @@
     </p:spTree>
     <p:extLst>
       <p:ext uri="{BB962C8B-B14F-4D97-AF65-F5344CB8AC3E}">
-        <p14:creationId xmlns:p14="http://schemas.microsoft.com/office/powerpoint/2010/main" val="3041493852"/>
+        <p14:creationId xmlns:p14="http://schemas.microsoft.com/office/powerpoint/2010/main" val="3352367462"/>
       </p:ext>
     </p:extLst>
   </p:cSld>
@@ -6540,6 +6584,482 @@
 </p:sld>
 </file>
 
+<file path=ppt/slides/slide20.xml><?xml version="1.0" encoding="utf-8"?>
+<p:sld xmlns:a="http://schemas.openxmlformats.org/drawingml/2006/main" xmlns:r="http://schemas.openxmlformats.org/officeDocument/2006/relationships" xmlns:p="http://schemas.openxmlformats.org/presentationml/2006/main">
+  <p:cSld>
+    <p:spTree>
+      <p:nvGrpSpPr>
+        <p:cNvPr id="1" name=""/>
+        <p:cNvGrpSpPr/>
+        <p:nvPr/>
+      </p:nvGrpSpPr>
+      <p:grpSpPr>
+        <a:xfrm>
+          <a:off x="0" y="0"/>
+          <a:ext cx="0" cy="0"/>
+          <a:chOff x="0" y="0"/>
+          <a:chExt cx="0" cy="0"/>
+        </a:xfrm>
+      </p:grpSpPr>
+      <p:sp>
+        <p:nvSpPr>
+          <p:cNvPr id="2" name="Title 1">
+            <a:extLst>
+              <a:ext uri="{FF2B5EF4-FFF2-40B4-BE49-F238E27FC236}">
+                <a16:creationId xmlns:a16="http://schemas.microsoft.com/office/drawing/2014/main" id="{C73A5A26-071C-4629-AD8B-34D7D3A3A1BE}"/>
+              </a:ext>
+            </a:extLst>
+          </p:cNvPr>
+          <p:cNvSpPr>
+            <a:spLocks noGrp="1"/>
+          </p:cNvSpPr>
+          <p:nvPr>
+            <p:ph type="title"/>
+          </p:nvPr>
+        </p:nvSpPr>
+        <p:spPr/>
+        <p:txBody>
+          <a:bodyPr/>
+          <a:lstStyle/>
+          <a:p>
+            <a:r>
+              <a:rPr lang="en-US" dirty="0"/>
+              <a:t>Disability</a:t>
+            </a:r>
+          </a:p>
+        </p:txBody>
+      </p:sp>
+      <p:sp>
+        <p:nvSpPr>
+          <p:cNvPr id="3" name="Content Placeholder 2">
+            <a:extLst>
+              <a:ext uri="{FF2B5EF4-FFF2-40B4-BE49-F238E27FC236}">
+                <a16:creationId xmlns:a16="http://schemas.microsoft.com/office/drawing/2014/main" id="{F9868F46-B405-4D00-AAB3-F99F7A97F44F}"/>
+              </a:ext>
+            </a:extLst>
+          </p:cNvPr>
+          <p:cNvSpPr>
+            <a:spLocks noGrp="1"/>
+          </p:cNvSpPr>
+          <p:nvPr>
+            <p:ph idx="1"/>
+          </p:nvPr>
+        </p:nvSpPr>
+        <p:spPr>
+          <a:xfrm>
+            <a:off x="317406" y="1882589"/>
+            <a:ext cx="8512829" cy="4052046"/>
+          </a:xfrm>
+        </p:spPr>
+        <p:txBody>
+          <a:bodyPr>
+            <a:normAutofit/>
+          </a:bodyPr>
+          <a:lstStyle/>
+          <a:p>
+            <a:pPr>
+              <a:spcBef>
+                <a:spcPts val="0"/>
+              </a:spcBef>
+            </a:pPr>
+            <a:r>
+              <a:rPr lang="en-US" dirty="0"/>
+              <a:t>If you have a physical, psychological, medical or learning disability, please contact the Student Services and Career Team.</a:t>
+            </a:r>
+          </a:p>
+          <a:p>
+            <a:pPr lvl="1">
+              <a:spcBef>
+                <a:spcPts val="0"/>
+              </a:spcBef>
+            </a:pPr>
+            <a:r>
+              <a:rPr lang="en-US" dirty="0"/>
+              <a:t>Location: Academic Building A208</a:t>
+            </a:r>
+          </a:p>
+          <a:p>
+            <a:pPr lvl="1">
+              <a:spcBef>
+                <a:spcPts val="0"/>
+              </a:spcBef>
+            </a:pPr>
+            <a:r>
+              <a:rPr lang="en-US" dirty="0"/>
+              <a:t>Phone: 626-1190</a:t>
+            </a:r>
+          </a:p>
+          <a:p>
+            <a:pPr>
+              <a:spcBef>
+                <a:spcPts val="0"/>
+              </a:spcBef>
+            </a:pPr>
+            <a:r>
+              <a:rPr lang="en-US" dirty="0"/>
+              <a:t>The DSS will determine with you what accommodations, if any, are necessary and appropriate</a:t>
+            </a:r>
+          </a:p>
+          <a:p>
+            <a:pPr>
+              <a:spcBef>
+                <a:spcPts val="0"/>
+              </a:spcBef>
+            </a:pPr>
+            <a:r>
+              <a:rPr lang="en-US" dirty="0"/>
+              <a:t>All information and documentation of disability is confidential</a:t>
+            </a:r>
+          </a:p>
+        </p:txBody>
+      </p:sp>
+      <p:sp>
+        <p:nvSpPr>
+          <p:cNvPr id="4" name="Footer Placeholder 3">
+            <a:extLst>
+              <a:ext uri="{FF2B5EF4-FFF2-40B4-BE49-F238E27FC236}">
+                <a16:creationId xmlns:a16="http://schemas.microsoft.com/office/drawing/2014/main" id="{D721A027-F33A-41F7-B640-A24FE736A2E9}"/>
+              </a:ext>
+            </a:extLst>
+          </p:cNvPr>
+          <p:cNvSpPr>
+            <a:spLocks noGrp="1"/>
+          </p:cNvSpPr>
+          <p:nvPr>
+            <p:ph type="ftr" sz="quarter" idx="11"/>
+          </p:nvPr>
+        </p:nvSpPr>
+        <p:spPr/>
+        <p:txBody>
+          <a:bodyPr/>
+          <a:lstStyle/>
+          <a:p>
+            <a:r>
+              <a:rPr lang="en-US" dirty="0"/>
+              <a:t>(c) Arthur Lee, Tony </a:t>
+            </a:r>
+            <a:r>
+              <a:rPr lang="en-US" dirty="0" err="1"/>
+              <a:t>Mione</a:t>
+            </a:r>
+            <a:r>
+              <a:rPr lang="en-US" dirty="0"/>
+              <a:t>, Pravin Pawar - SUNY Korea - CSE 101</a:t>
+            </a:r>
+          </a:p>
+        </p:txBody>
+      </p:sp>
+      <p:sp>
+        <p:nvSpPr>
+          <p:cNvPr id="5" name="Slide Number Placeholder 4">
+            <a:extLst>
+              <a:ext uri="{FF2B5EF4-FFF2-40B4-BE49-F238E27FC236}">
+                <a16:creationId xmlns:a16="http://schemas.microsoft.com/office/drawing/2014/main" id="{15A1D9EE-CD9E-4C12-A7F9-A88E537210F5}"/>
+              </a:ext>
+            </a:extLst>
+          </p:cNvPr>
+          <p:cNvSpPr>
+            <a:spLocks noGrp="1"/>
+          </p:cNvSpPr>
+          <p:nvPr>
+            <p:ph type="sldNum" sz="quarter" idx="12"/>
+          </p:nvPr>
+        </p:nvSpPr>
+        <p:spPr/>
+        <p:txBody>
+          <a:bodyPr/>
+          <a:lstStyle/>
+          <a:p>
+            <a:fld id="{E29BF8A0-881F-9B42-8DF7-7F4C738CBC54}" type="slidenum">
+              <a:rPr lang="en-US" smtClean="0"/>
+              <a:t>20</a:t>
+            </a:fld>
+            <a:endParaRPr lang="en-US"/>
+          </a:p>
+        </p:txBody>
+      </p:sp>
+    </p:spTree>
+    <p:extLst>
+      <p:ext uri="{BB962C8B-B14F-4D97-AF65-F5344CB8AC3E}">
+        <p14:creationId xmlns:p14="http://schemas.microsoft.com/office/powerpoint/2010/main" val="3555633094"/>
+      </p:ext>
+    </p:extLst>
+  </p:cSld>
+  <p:clrMapOvr>
+    <a:masterClrMapping/>
+  </p:clrMapOvr>
+</p:sld>
+</file>
+
+<file path=ppt/slides/slide21.xml><?xml version="1.0" encoding="utf-8"?>
+<p:sld xmlns:a="http://schemas.openxmlformats.org/drawingml/2006/main" xmlns:r="http://schemas.openxmlformats.org/officeDocument/2006/relationships" xmlns:p="http://schemas.openxmlformats.org/presentationml/2006/main">
+  <p:cSld>
+    <p:spTree>
+      <p:nvGrpSpPr>
+        <p:cNvPr id="1" name=""/>
+        <p:cNvGrpSpPr/>
+        <p:nvPr/>
+      </p:nvGrpSpPr>
+      <p:grpSpPr>
+        <a:xfrm>
+          <a:off x="0" y="0"/>
+          <a:ext cx="0" cy="0"/>
+          <a:chOff x="0" y="0"/>
+          <a:chExt cx="0" cy="0"/>
+        </a:xfrm>
+      </p:grpSpPr>
+      <p:sp>
+        <p:nvSpPr>
+          <p:cNvPr id="2" name="Title 1">
+            <a:extLst>
+              <a:ext uri="{FF2B5EF4-FFF2-40B4-BE49-F238E27FC236}">
+                <a16:creationId xmlns:a16="http://schemas.microsoft.com/office/drawing/2014/main" id="{567F05DD-4BE1-433D-A89C-5F78F8280258}"/>
+              </a:ext>
+            </a:extLst>
+          </p:cNvPr>
+          <p:cNvSpPr>
+            <a:spLocks noGrp="1"/>
+          </p:cNvSpPr>
+          <p:nvPr>
+            <p:ph type="title"/>
+          </p:nvPr>
+        </p:nvSpPr>
+        <p:spPr/>
+        <p:txBody>
+          <a:bodyPr>
+            <a:normAutofit/>
+          </a:bodyPr>
+          <a:lstStyle/>
+          <a:p>
+            <a:r>
+              <a:rPr lang="en-US" dirty="0"/>
+              <a:t>How to Succeed in this Class</a:t>
+            </a:r>
+          </a:p>
+        </p:txBody>
+      </p:sp>
+      <p:sp>
+        <p:nvSpPr>
+          <p:cNvPr id="3" name="Content Placeholder 2">
+            <a:extLst>
+              <a:ext uri="{FF2B5EF4-FFF2-40B4-BE49-F238E27FC236}">
+                <a16:creationId xmlns:a16="http://schemas.microsoft.com/office/drawing/2014/main" id="{D545299D-A34A-49EA-A8D1-EFC2BF23B2B3}"/>
+              </a:ext>
+            </a:extLst>
+          </p:cNvPr>
+          <p:cNvSpPr>
+            <a:spLocks noGrp="1"/>
+          </p:cNvSpPr>
+          <p:nvPr>
+            <p:ph idx="1"/>
+          </p:nvPr>
+        </p:nvSpPr>
+        <p:spPr>
+          <a:xfrm>
+            <a:off x="254653" y="1703295"/>
+            <a:ext cx="8468007" cy="4598893"/>
+          </a:xfrm>
+        </p:spPr>
+        <p:txBody>
+          <a:bodyPr>
+            <a:noAutofit/>
+          </a:bodyPr>
+          <a:lstStyle/>
+          <a:p>
+            <a:r>
+              <a:rPr lang="en-US" sz="1600" dirty="0"/>
+              <a:t>Attend class and be on time!</a:t>
+            </a:r>
+          </a:p>
+          <a:p>
+            <a:pPr lvl="1"/>
+            <a:r>
+              <a:rPr lang="en-US" sz="1600" dirty="0"/>
+              <a:t>Not all information is in my lecture notes or in the book</a:t>
+            </a:r>
+          </a:p>
+          <a:p>
+            <a:pPr lvl="1"/>
+            <a:r>
+              <a:rPr lang="en-US" sz="1600" dirty="0"/>
+              <a:t>I sometimes do in-class demos that emphasize non-obvious details</a:t>
+            </a:r>
+          </a:p>
+          <a:p>
+            <a:pPr>
+              <a:spcBef>
+                <a:spcPts val="0"/>
+              </a:spcBef>
+            </a:pPr>
+            <a:r>
+              <a:rPr lang="en-US" sz="1600" dirty="0"/>
+              <a:t>This is an introductory course, true, but we’re going to cover a lot of ground and move quickly starting from scratch</a:t>
+            </a:r>
+          </a:p>
+          <a:p>
+            <a:pPr>
+              <a:spcBef>
+                <a:spcPts val="0"/>
+              </a:spcBef>
+            </a:pPr>
+            <a:r>
+              <a:rPr lang="en-US" sz="1600" dirty="0"/>
+              <a:t>The assigned work will take a lot of your time, so practice good time management</a:t>
+            </a:r>
+          </a:p>
+          <a:p>
+            <a:pPr>
+              <a:spcBef>
+                <a:spcPts val="0"/>
+              </a:spcBef>
+            </a:pPr>
+            <a:r>
+              <a:rPr lang="en-US" sz="1600" dirty="0"/>
+              <a:t>Read the reading assignments and review the lecture notes and try out example code</a:t>
+            </a:r>
+          </a:p>
+          <a:p>
+            <a:pPr lvl="1">
+              <a:spcBef>
+                <a:spcPts val="0"/>
+              </a:spcBef>
+            </a:pPr>
+            <a:r>
+              <a:rPr lang="en-US" sz="1600" dirty="0"/>
+              <a:t>Practice is the only way to become proficient at coding</a:t>
+            </a:r>
+          </a:p>
+          <a:p>
+            <a:pPr lvl="1"/>
+            <a:r>
+              <a:rPr lang="en-US" sz="1600" dirty="0"/>
+              <a:t>Very often your first, second, or third attempt at solving a problem will not be successful. It is </a:t>
+            </a:r>
+            <a:r>
+              <a:rPr lang="en-US" sz="1600" b="1" dirty="0"/>
+              <a:t>essential </a:t>
+            </a:r>
+            <a:r>
+              <a:rPr lang="en-US" sz="1600" dirty="0"/>
+              <a:t>that you give yourself enough time to try different ideas, taking breaks along the way!</a:t>
+            </a:r>
+          </a:p>
+          <a:p>
+            <a:pPr lvl="1"/>
+            <a:r>
+              <a:rPr lang="en-US" sz="1600" dirty="0"/>
+              <a:t>Those who write extra code for problems not assigned (“for fun”) generally do best in this class</a:t>
+            </a:r>
+          </a:p>
+          <a:p>
+            <a:pPr lvl="1"/>
+            <a:r>
+              <a:rPr lang="en-US" sz="1600" dirty="0"/>
+              <a:t>Learning to code involves learning to read other people’s code</a:t>
+            </a:r>
+          </a:p>
+          <a:p>
+            <a:pPr>
+              <a:spcBef>
+                <a:spcPts val="0"/>
+              </a:spcBef>
+            </a:pPr>
+            <a:r>
+              <a:rPr lang="en-US" sz="1600" dirty="0"/>
+              <a:t>Ask questions right away if confused. Ask in class, ask a TA, come to my office hours or send email. Don’t stay confused and don’t get behind!</a:t>
+            </a:r>
+          </a:p>
+          <a:p>
+            <a:pPr>
+              <a:spcBef>
+                <a:spcPts val="0"/>
+              </a:spcBef>
+            </a:pPr>
+            <a:r>
+              <a:rPr lang="en-US" sz="1600" dirty="0"/>
+              <a:t>Welcome and I hope you enjoy the class!</a:t>
+            </a:r>
+          </a:p>
+        </p:txBody>
+      </p:sp>
+      <p:sp>
+        <p:nvSpPr>
+          <p:cNvPr id="4" name="Footer Placeholder 3">
+            <a:extLst>
+              <a:ext uri="{FF2B5EF4-FFF2-40B4-BE49-F238E27FC236}">
+                <a16:creationId xmlns:a16="http://schemas.microsoft.com/office/drawing/2014/main" id="{F2E2C9BD-0184-4D90-B590-F1D02D97B933}"/>
+              </a:ext>
+            </a:extLst>
+          </p:cNvPr>
+          <p:cNvSpPr>
+            <a:spLocks noGrp="1"/>
+          </p:cNvSpPr>
+          <p:nvPr>
+            <p:ph type="ftr" sz="quarter" idx="11"/>
+          </p:nvPr>
+        </p:nvSpPr>
+        <p:spPr/>
+        <p:txBody>
+          <a:bodyPr/>
+          <a:lstStyle/>
+          <a:p>
+            <a:r>
+              <a:rPr lang="en-US" dirty="0"/>
+              <a:t>(c) Arthur Lee, Tony </a:t>
+            </a:r>
+            <a:r>
+              <a:rPr lang="en-US" dirty="0" err="1"/>
+              <a:t>Mione</a:t>
+            </a:r>
+            <a:r>
+              <a:rPr lang="en-US" dirty="0"/>
+              <a:t>, Pravin Pawar - SUNY Korea - CSE 101</a:t>
+            </a:r>
+          </a:p>
+        </p:txBody>
+      </p:sp>
+      <p:sp>
+        <p:nvSpPr>
+          <p:cNvPr id="5" name="Slide Number Placeholder 4">
+            <a:extLst>
+              <a:ext uri="{FF2B5EF4-FFF2-40B4-BE49-F238E27FC236}">
+                <a16:creationId xmlns:a16="http://schemas.microsoft.com/office/drawing/2014/main" id="{0AF9C8A7-87BD-404A-9DDB-84FFAB0859BB}"/>
+              </a:ext>
+            </a:extLst>
+          </p:cNvPr>
+          <p:cNvSpPr>
+            <a:spLocks noGrp="1"/>
+          </p:cNvSpPr>
+          <p:nvPr>
+            <p:ph type="sldNum" sz="quarter" idx="12"/>
+          </p:nvPr>
+        </p:nvSpPr>
+        <p:spPr/>
+        <p:txBody>
+          <a:bodyPr/>
+          <a:lstStyle/>
+          <a:p>
+            <a:fld id="{E29BF8A0-881F-9B42-8DF7-7F4C738CBC54}" type="slidenum">
+              <a:rPr lang="en-US" smtClean="0"/>
+              <a:t>21</a:t>
+            </a:fld>
+            <a:endParaRPr lang="en-US"/>
+          </a:p>
+        </p:txBody>
+      </p:sp>
+    </p:spTree>
+    <p:extLst>
+      <p:ext uri="{BB962C8B-B14F-4D97-AF65-F5344CB8AC3E}">
+        <p14:creationId xmlns:p14="http://schemas.microsoft.com/office/powerpoint/2010/main" val="3041493852"/>
+      </p:ext>
+    </p:extLst>
+  </p:cSld>
+  <p:clrMapOvr>
+    <a:masterClrMapping/>
+  </p:clrMapOvr>
+</p:sld>
+</file>
+
 <file path=ppt/slides/slide3.xml><?xml version="1.0" encoding="utf-8"?>
 <p:sld xmlns:a="http://schemas.openxmlformats.org/drawingml/2006/main" xmlns:r="http://schemas.openxmlformats.org/officeDocument/2006/relationships" xmlns:p="http://schemas.openxmlformats.org/presentationml/2006/main">
   <p:cSld>
@@ -6650,26 +7170,6 @@
             <a:r>
               <a:rPr lang="en-US" i="1" dirty="0"/>
               <a:t>Tue/Thu 10:30 AM - 12:00 PM, Wed 5:00 PM - 6:30 PM</a:t>
-            </a:r>
-          </a:p>
-          <a:p>
-            <a:r>
-              <a:rPr lang="en-US" dirty="0"/>
-              <a:t>Teaching Assistants</a:t>
-            </a:r>
-          </a:p>
-          <a:p>
-            <a:pPr lvl="1"/>
-            <a:r>
-              <a:rPr lang="en-US" dirty="0"/>
-              <a:t>Graduate (grading TA):</a:t>
-            </a:r>
-          </a:p>
-          <a:p>
-            <a:pPr lvl="1"/>
-            <a:r>
-              <a:rPr lang="en-US" dirty="0"/>
-              <a:t>Undergraduate (tutoring TA):</a:t>
             </a:r>
           </a:p>
         </p:txBody>
@@ -6771,10 +7271,184 @@
       </p:grpSpPr>
       <p:sp>
         <p:nvSpPr>
-          <p:cNvPr id="2" name="Title 1">
+          <p:cNvPr id="2" name="Title 1"/>
+          <p:cNvSpPr>
+            <a:spLocks noGrp="1"/>
+          </p:cNvSpPr>
+          <p:nvPr>
+            <p:ph type="title"/>
+          </p:nvPr>
+        </p:nvSpPr>
+        <p:spPr/>
+        <p:txBody>
+          <a:bodyPr/>
+          <a:lstStyle/>
+          <a:p>
+            <a:r>
+              <a:rPr lang="en-US" dirty="0"/>
+              <a:t>Staff</a:t>
+            </a:r>
+          </a:p>
+        </p:txBody>
+      </p:sp>
+      <p:sp>
+        <p:nvSpPr>
+          <p:cNvPr id="3" name="Content Placeholder 2"/>
+          <p:cNvSpPr>
+            <a:spLocks noGrp="1"/>
+          </p:cNvSpPr>
+          <p:nvPr>
+            <p:ph idx="1"/>
+          </p:nvPr>
+        </p:nvSpPr>
+        <p:spPr>
+          <a:xfrm>
+            <a:off x="745724" y="1927412"/>
+            <a:ext cx="8048652" cy="3871503"/>
+          </a:xfrm>
+        </p:spPr>
+        <p:txBody>
+          <a:bodyPr>
+            <a:normAutofit/>
+          </a:bodyPr>
+          <a:lstStyle/>
+          <a:p>
+            <a:r>
+              <a:rPr lang="en-US" dirty="0"/>
+              <a:t>Teaching Assistants</a:t>
+            </a:r>
+          </a:p>
+          <a:p>
+            <a:pPr lvl="1"/>
+            <a:r>
+              <a:rPr lang="en-US" dirty="0"/>
+              <a:t>Graduate (grading TA)</a:t>
+            </a:r>
+          </a:p>
+          <a:p>
+            <a:pPr lvl="2"/>
+            <a:r>
+              <a:rPr lang="en-US" dirty="0" err="1"/>
+              <a:t>Mayukh</a:t>
+            </a:r>
+            <a:r>
+              <a:rPr lang="en-US" dirty="0"/>
+              <a:t> Maitra (MS), 010-5923-3726, mayukh.maitra@stonybrook.edu</a:t>
+            </a:r>
+          </a:p>
+          <a:p>
+            <a:pPr lvl="2"/>
+            <a:r>
+              <a:rPr lang="en-US" dirty="0"/>
+              <a:t>Salman </a:t>
+            </a:r>
+            <a:r>
+              <a:rPr lang="en-US" dirty="0" err="1"/>
+              <a:t>Qavi</a:t>
+            </a:r>
+            <a:r>
+              <a:rPr lang="en-US" dirty="0"/>
+              <a:t> (MS), </a:t>
+            </a:r>
+            <a:r>
+              <a:rPr lang="en-US" dirty="0">
+                <a:hlinkClick r:id="rId2"/>
+              </a:rPr>
+              <a:t>salman.qavi@stonybrook.edu</a:t>
+            </a:r>
+            <a:endParaRPr lang="en-US" dirty="0"/>
+          </a:p>
+          <a:p>
+            <a:pPr marL="384048" lvl="2" indent="0">
+              <a:buNone/>
+            </a:pPr>
+            <a:endParaRPr lang="en-US" dirty="0"/>
+          </a:p>
+          <a:p>
+            <a:pPr lvl="1"/>
+            <a:r>
+              <a:rPr lang="en-US" dirty="0"/>
+              <a:t>Undergraduate (tutoring TA)</a:t>
+            </a:r>
+          </a:p>
+          <a:p>
+            <a:pPr lvl="2"/>
+            <a:r>
+              <a:rPr lang="en-US" dirty="0" err="1"/>
+              <a:t>Sigauke</a:t>
+            </a:r>
+            <a:r>
+              <a:rPr lang="en-US" dirty="0"/>
+              <a:t> </a:t>
+            </a:r>
+            <a:r>
+              <a:rPr lang="en-US" dirty="0" err="1"/>
+              <a:t>Cogitater</a:t>
+            </a:r>
+            <a:r>
+              <a:rPr lang="en-US" dirty="0"/>
+              <a:t> (UG), cogitater.sigauke@stonybrook.edu</a:t>
+            </a:r>
+          </a:p>
+          <a:p>
+            <a:pPr lvl="2"/>
+            <a:r>
+              <a:rPr lang="en-US" dirty="0" err="1"/>
+              <a:t>Soyoon</a:t>
+            </a:r>
+            <a:r>
+              <a:rPr lang="en-US" dirty="0"/>
+              <a:t> Jeon (UG), 010-6631-9309, soyoon.jeon@stonybrook.edu</a:t>
+            </a:r>
+          </a:p>
+          <a:p>
+            <a:pPr lvl="2"/>
+            <a:r>
+              <a:rPr lang="en-US" dirty="0" err="1"/>
+              <a:t>Soomin</a:t>
+            </a:r>
+            <a:r>
+              <a:rPr lang="en-US" dirty="0"/>
+              <a:t> Kim (UG), 010-9413-3996, soomin.kim.1@stonybrook.edu</a:t>
+            </a:r>
+          </a:p>
+          <a:p>
+            <a:pPr lvl="2"/>
+            <a:r>
+              <a:rPr lang="en-US" dirty="0" err="1"/>
+              <a:t>Yoora</a:t>
+            </a:r>
+            <a:r>
+              <a:rPr lang="en-US" dirty="0"/>
+              <a:t> Kim (UG), 010-4187-7700, yoora.kim@stonybrook.edu</a:t>
+            </a:r>
+          </a:p>
+          <a:p>
+            <a:pPr lvl="2"/>
+            <a:r>
+              <a:rPr lang="en-US" dirty="0" err="1"/>
+              <a:t>Changhyun</a:t>
+            </a:r>
+            <a:r>
+              <a:rPr lang="en-US" dirty="0"/>
+              <a:t> Park (UG), 010-5272-2810, changhyun.park@stonybrook.edu</a:t>
+            </a:r>
+          </a:p>
+          <a:p>
+            <a:pPr lvl="2"/>
+            <a:r>
+              <a:rPr lang="en-US" dirty="0"/>
+              <a:t>Jong Kwon Park (UG), 010-5493-0150, jongkwon.park@stonybrook.edu</a:t>
+            </a:r>
+          </a:p>
+        </p:txBody>
+      </p:sp>
+      <p:sp>
+        <p:nvSpPr>
+          <p:cNvPr id="4" name="Footer Placeholder 3">
             <a:extLst>
               <a:ext uri="{FF2B5EF4-FFF2-40B4-BE49-F238E27FC236}">
-                <a16:creationId xmlns:a16="http://schemas.microsoft.com/office/drawing/2014/main" id="{E0E7C2C7-756E-43AF-9D38-EED9EF37C359}"/>
+                <a16:creationId xmlns:a16="http://schemas.microsoft.com/office/drawing/2014/main" id="{5E99D52D-9EA1-4102-826B-E2BC2883119A}"/>
               </a:ext>
             </a:extLst>
           </p:cNvPr>
@@ -6782,89 +7456,6 @@
             <a:spLocks noGrp="1"/>
           </p:cNvSpPr>
           <p:nvPr>
-            <p:ph type="title"/>
-          </p:nvPr>
-        </p:nvSpPr>
-        <p:spPr/>
-        <p:txBody>
-          <a:bodyPr/>
-          <a:lstStyle/>
-          <a:p>
-            <a:r>
-              <a:rPr lang="en-US" dirty="0"/>
-              <a:t>Announcements</a:t>
-            </a:r>
-          </a:p>
-        </p:txBody>
-      </p:sp>
-      <p:sp>
-        <p:nvSpPr>
-          <p:cNvPr id="3" name="Content Placeholder 2">
-            <a:extLst>
-              <a:ext uri="{FF2B5EF4-FFF2-40B4-BE49-F238E27FC236}">
-                <a16:creationId xmlns:a16="http://schemas.microsoft.com/office/drawing/2014/main" id="{2E3AB217-1FF2-4B33-8787-6759C45A8F02}"/>
-              </a:ext>
-            </a:extLst>
-          </p:cNvPr>
-          <p:cNvSpPr>
-            <a:spLocks noGrp="1"/>
-          </p:cNvSpPr>
-          <p:nvPr>
-            <p:ph idx="1"/>
-          </p:nvPr>
-        </p:nvSpPr>
-        <p:spPr>
-          <a:xfrm>
-            <a:off x="532224" y="2133601"/>
-            <a:ext cx="8093545" cy="3931920"/>
-          </a:xfrm>
-        </p:spPr>
-        <p:txBody>
-          <a:bodyPr>
-            <a:normAutofit/>
-          </a:bodyPr>
-          <a:lstStyle/>
-          <a:p>
-            <a:r>
-              <a:rPr lang="en-US" dirty="0"/>
-              <a:t>Please bring a laptop to each class</a:t>
-            </a:r>
-          </a:p>
-          <a:p>
-            <a:pPr lvl="1"/>
-            <a:r>
-              <a:rPr lang="en-US" dirty="0"/>
-              <a:t>Classes will involve lecture segments, demos</a:t>
-            </a:r>
-          </a:p>
-          <a:p>
-            <a:pPr lvl="1"/>
-            <a:r>
-              <a:rPr lang="en-US" dirty="0"/>
-              <a:t>Labs will involve student exercises</a:t>
-            </a:r>
-          </a:p>
-          <a:p>
-            <a:r>
-              <a:rPr lang="en-US" dirty="0"/>
-              <a:t>Additional video lectures are noted in the syllabus. These are strongly recommended for extra instruction to help understand Python. </a:t>
-            </a:r>
-          </a:p>
-        </p:txBody>
-      </p:sp>
-      <p:sp>
-        <p:nvSpPr>
-          <p:cNvPr id="4" name="Footer Placeholder 3">
-            <a:extLst>
-              <a:ext uri="{FF2B5EF4-FFF2-40B4-BE49-F238E27FC236}">
-                <a16:creationId xmlns:a16="http://schemas.microsoft.com/office/drawing/2014/main" id="{ED4F638B-5A12-407C-9A45-FB8D461FBB71}"/>
-              </a:ext>
-            </a:extLst>
-          </p:cNvPr>
-          <p:cNvSpPr>
-            <a:spLocks noGrp="1"/>
-          </p:cNvSpPr>
-          <p:nvPr>
             <p:ph type="ftr" sz="quarter" idx="11"/>
           </p:nvPr>
         </p:nvSpPr>
@@ -6893,7 +7484,7 @@
           <p:cNvPr id="5" name="Slide Number Placeholder 4">
             <a:extLst>
               <a:ext uri="{FF2B5EF4-FFF2-40B4-BE49-F238E27FC236}">
-                <a16:creationId xmlns:a16="http://schemas.microsoft.com/office/drawing/2014/main" id="{8584055D-CB3F-41E8-801D-ED3EF409833B}"/>
+                <a16:creationId xmlns:a16="http://schemas.microsoft.com/office/drawing/2014/main" id="{583190FF-4752-422D-A9FD-92058AF4B274}"/>
               </a:ext>
             </a:extLst>
           </p:cNvPr>
@@ -6920,7 +7511,7 @@
     </p:spTree>
     <p:extLst>
       <p:ext uri="{BB962C8B-B14F-4D97-AF65-F5344CB8AC3E}">
-        <p14:creationId xmlns:p14="http://schemas.microsoft.com/office/powerpoint/2010/main" val="3784947007"/>
+        <p14:creationId xmlns:p14="http://schemas.microsoft.com/office/powerpoint/2010/main" val="3364094041"/>
       </p:ext>
     </p:extLst>
   </p:cSld>
@@ -6949,7 +7540,13 @@
       </p:grpSpPr>
       <p:sp>
         <p:nvSpPr>
-          <p:cNvPr id="2" name="Title 1"/>
+          <p:cNvPr id="2" name="Title 1">
+            <a:extLst>
+              <a:ext uri="{FF2B5EF4-FFF2-40B4-BE49-F238E27FC236}">
+                <a16:creationId xmlns:a16="http://schemas.microsoft.com/office/drawing/2014/main" id="{E0E7C2C7-756E-43AF-9D38-EED9EF37C359}"/>
+              </a:ext>
+            </a:extLst>
+          </p:cNvPr>
           <p:cNvSpPr>
             <a:spLocks noGrp="1"/>
           </p:cNvSpPr>
@@ -6963,19 +7560,21 @@
           <a:lstStyle/>
           <a:p>
             <a:r>
-              <a:rPr lang="en-US" dirty="0" err="1"/>
-              <a:t>Misc</a:t>
-            </a:r>
-            <a:r>
-              <a:rPr lang="en-US" dirty="0"/>
-              <a:t> Information</a:t>
-            </a:r>
-          </a:p>
-        </p:txBody>
-      </p:sp>
-      <p:sp>
-        <p:nvSpPr>
-          <p:cNvPr id="3" name="Content Placeholder 2"/>
+              <a:rPr lang="en-US" dirty="0"/>
+              <a:t>Announcements</a:t>
+            </a:r>
+          </a:p>
+        </p:txBody>
+      </p:sp>
+      <p:sp>
+        <p:nvSpPr>
+          <p:cNvPr id="3" name="Content Placeholder 2">
+            <a:extLst>
+              <a:ext uri="{FF2B5EF4-FFF2-40B4-BE49-F238E27FC236}">
+                <a16:creationId xmlns:a16="http://schemas.microsoft.com/office/drawing/2014/main" id="{2E3AB217-1FF2-4B33-8787-6759C45A8F02}"/>
+              </a:ext>
+            </a:extLst>
+          </p:cNvPr>
           <p:cNvSpPr>
             <a:spLocks noGrp="1"/>
           </p:cNvSpPr>
@@ -6983,28 +7582,41 @@
             <p:ph idx="1"/>
           </p:nvPr>
         </p:nvSpPr>
-        <p:spPr/>
+        <p:spPr>
+          <a:xfrm>
+            <a:off x="532224" y="2133601"/>
+            <a:ext cx="8093545" cy="3931920"/>
+          </a:xfrm>
+        </p:spPr>
         <p:txBody>
           <a:bodyPr>
             <a:normAutofit/>
           </a:bodyPr>
           <a:lstStyle/>
           <a:p>
-            <a:endParaRPr lang="en-US" dirty="0"/>
-          </a:p>
-          <a:p>
-            <a:r>
-              <a:rPr lang="en-US" dirty="0"/>
-              <a:t>For non-CS majors: This course is an excellent way to get an introduction to what computer science is all about and learn how to program</a:t>
-            </a:r>
-          </a:p>
-          <a:p>
-            <a:endParaRPr lang="en-US" dirty="0"/>
-          </a:p>
-          <a:p>
-            <a:r>
-              <a:rPr lang="en-US" dirty="0"/>
-              <a:t>For CS majors: This course is the launching point into the CS major for those who have no background in CS at all</a:t>
+            <a:r>
+              <a:rPr lang="en-US" dirty="0"/>
+              <a:t>Please bring a laptop to each class</a:t>
+            </a:r>
+          </a:p>
+          <a:p>
+            <a:pPr lvl="1"/>
+            <a:r>
+              <a:rPr lang="en-US" dirty="0"/>
+              <a:t>Classes will involve lecture segments, demos</a:t>
+            </a:r>
+          </a:p>
+          <a:p>
+            <a:pPr lvl="1"/>
+            <a:r>
+              <a:rPr lang="en-US" dirty="0"/>
+              <a:t>Labs will involve student exercises</a:t>
+            </a:r>
+          </a:p>
+          <a:p>
+            <a:r>
+              <a:rPr lang="en-US" dirty="0"/>
+              <a:t>Additional video lectures are noted in the syllabus. These are strongly recommended for extra instruction to help understand Python. </a:t>
             </a:r>
           </a:p>
         </p:txBody>
@@ -7014,7 +7626,7 @@
           <p:cNvPr id="4" name="Footer Placeholder 3">
             <a:extLst>
               <a:ext uri="{FF2B5EF4-FFF2-40B4-BE49-F238E27FC236}">
-                <a16:creationId xmlns:a16="http://schemas.microsoft.com/office/drawing/2014/main" id="{66AB45CF-5D48-415E-8971-E6C2F2FEF9E0}"/>
+                <a16:creationId xmlns:a16="http://schemas.microsoft.com/office/drawing/2014/main" id="{ED4F638B-5A12-407C-9A45-FB8D461FBB71}"/>
               </a:ext>
             </a:extLst>
           </p:cNvPr>
@@ -7050,7 +7662,7 @@
           <p:cNvPr id="5" name="Slide Number Placeholder 4">
             <a:extLst>
               <a:ext uri="{FF2B5EF4-FFF2-40B4-BE49-F238E27FC236}">
-                <a16:creationId xmlns:a16="http://schemas.microsoft.com/office/drawing/2014/main" id="{1D8C31A9-4056-4487-831D-2CC65C3BC3B6}"/>
+                <a16:creationId xmlns:a16="http://schemas.microsoft.com/office/drawing/2014/main" id="{8584055D-CB3F-41E8-801D-ED3EF409833B}"/>
               </a:ext>
             </a:extLst>
           </p:cNvPr>
@@ -7077,7 +7689,7 @@
     </p:spTree>
     <p:extLst>
       <p:ext uri="{BB962C8B-B14F-4D97-AF65-F5344CB8AC3E}">
-        <p14:creationId xmlns:p14="http://schemas.microsoft.com/office/powerpoint/2010/main" val="1254084253"/>
+        <p14:creationId xmlns:p14="http://schemas.microsoft.com/office/powerpoint/2010/main" val="3784947007"/>
       </p:ext>
     </p:extLst>
   </p:cSld>
@@ -7120,8 +7732,12 @@
           <a:lstStyle/>
           <a:p>
             <a:r>
-              <a:rPr lang="en-US" dirty="0"/>
-              <a:t>Course Overview</a:t>
+              <a:rPr lang="en-US" dirty="0" err="1"/>
+              <a:t>Misc</a:t>
+            </a:r>
+            <a:r>
+              <a:rPr lang="en-US" dirty="0"/>
+              <a:t> Information</a:t>
             </a:r>
           </a:p>
         </p:txBody>
@@ -7136,158 +7752,28 @@
             <p:ph idx="1"/>
           </p:nvPr>
         </p:nvSpPr>
-        <p:spPr>
-          <a:xfrm>
-            <a:off x="317406" y="1864310"/>
-            <a:ext cx="8557653" cy="4357195"/>
-          </a:xfrm>
-        </p:spPr>
+        <p:spPr/>
         <p:txBody>
           <a:bodyPr>
             <a:normAutofit/>
           </a:bodyPr>
           <a:lstStyle/>
           <a:p>
-            <a:pPr>
-              <a:spcBef>
-                <a:spcPts val="0"/>
-              </a:spcBef>
-            </a:pPr>
-            <a:r>
-              <a:rPr lang="en-US" dirty="0"/>
-              <a:t>CSE 101</a:t>
-            </a:r>
-          </a:p>
-          <a:p>
-            <a:pPr lvl="1">
-              <a:spcBef>
-                <a:spcPts val="0"/>
-              </a:spcBef>
-            </a:pPr>
-            <a:r>
-              <a:rPr lang="en-US" dirty="0"/>
-              <a:t>introduces the important, central ideas of computer science</a:t>
-            </a:r>
-          </a:p>
-          <a:p>
-            <a:pPr lvl="1">
-              <a:spcBef>
-                <a:spcPts val="0"/>
-              </a:spcBef>
-            </a:pPr>
-            <a:r>
-              <a:rPr lang="en-US" dirty="0"/>
-              <a:t>explores computational thinking and problem solving</a:t>
-            </a:r>
-          </a:p>
-          <a:p>
-            <a:pPr lvl="1">
-              <a:spcBef>
-                <a:spcPts val="0"/>
-              </a:spcBef>
-            </a:pPr>
-            <a:r>
-              <a:rPr lang="en-US" dirty="0"/>
-              <a:t>covers the fundamentals of computer programming</a:t>
-            </a:r>
-          </a:p>
-          <a:p>
-            <a:pPr>
-              <a:spcBef>
-                <a:spcPts val="0"/>
-              </a:spcBef>
-            </a:pPr>
             <a:endParaRPr lang="en-US" dirty="0"/>
           </a:p>
           <a:p>
-            <a:pPr>
-              <a:spcBef>
-                <a:spcPts val="0"/>
-              </a:spcBef>
-            </a:pPr>
-            <a:r>
-              <a:rPr lang="en-US" dirty="0"/>
-              <a:t>Computer science is the </a:t>
-            </a:r>
-            <a:r>
-              <a:rPr lang="en-US" i="1" dirty="0"/>
-              <a:t>study of problem solving with computers</a:t>
-            </a:r>
-          </a:p>
-          <a:p>
-            <a:pPr lvl="1">
-              <a:spcBef>
-                <a:spcPts val="0"/>
-              </a:spcBef>
-            </a:pPr>
-            <a:r>
-              <a:rPr lang="en-US" dirty="0"/>
-              <a:t>Astronomers don’t study telescopes. They </a:t>
-            </a:r>
-            <a:r>
-              <a:rPr lang="en-US" i="1" dirty="0"/>
-              <a:t>use </a:t>
-            </a:r>
-            <a:r>
-              <a:rPr lang="en-US" dirty="0"/>
-              <a:t>telescopes to study the stars!</a:t>
-            </a:r>
-          </a:p>
-          <a:p>
-            <a:pPr lvl="1">
-              <a:spcBef>
-                <a:spcPts val="0"/>
-              </a:spcBef>
-            </a:pPr>
-            <a:r>
-              <a:rPr lang="en-US" dirty="0"/>
-              <a:t>Likewise, computer professionals </a:t>
-            </a:r>
-            <a:r>
-              <a:rPr lang="en-US" i="1" dirty="0"/>
-              <a:t>use </a:t>
-            </a:r>
-            <a:r>
-              <a:rPr lang="en-US" dirty="0"/>
-              <a:t>computers to solve important problems in the modern world</a:t>
-            </a:r>
-          </a:p>
-          <a:p>
-            <a:pPr lvl="1">
-              <a:spcBef>
-                <a:spcPts val="0"/>
-              </a:spcBef>
-            </a:pPr>
-            <a:r>
-              <a:rPr lang="en-US" dirty="0"/>
-              <a:t>Computer scientists also build computers and software that makes the computer hum. </a:t>
-            </a:r>
-          </a:p>
-          <a:p>
-            <a:pPr>
-              <a:spcBef>
-                <a:spcPts val="0"/>
-              </a:spcBef>
-            </a:pPr>
+            <a:r>
+              <a:rPr lang="en-US" dirty="0"/>
+              <a:t>For non-CS majors: This course is an excellent way to get an introduction to what computer science is all about and learn how to program</a:t>
+            </a:r>
+          </a:p>
+          <a:p>
             <a:endParaRPr lang="en-US" dirty="0"/>
           </a:p>
           <a:p>
-            <a:pPr>
-              <a:spcBef>
-                <a:spcPts val="0"/>
-              </a:spcBef>
-            </a:pPr>
-            <a:r>
-              <a:rPr lang="en-US" dirty="0"/>
-              <a:t>An important thread of this course is </a:t>
-            </a:r>
-            <a:r>
-              <a:rPr lang="en-US" b="1" dirty="0"/>
-              <a:t>computational thinking</a:t>
-            </a:r>
-            <a:r>
-              <a:rPr lang="en-US" dirty="0"/>
-              <a:t>, which is the way computer scientists think about and solve problems</a:t>
+            <a:r>
+              <a:rPr lang="en-US" dirty="0"/>
+              <a:t>For CS majors: This course is the launching point into the CS major for those who have no background in CS at all</a:t>
             </a:r>
           </a:p>
         </p:txBody>
@@ -7297,7 +7783,7 @@
           <p:cNvPr id="4" name="Footer Placeholder 3">
             <a:extLst>
               <a:ext uri="{FF2B5EF4-FFF2-40B4-BE49-F238E27FC236}">
-                <a16:creationId xmlns:a16="http://schemas.microsoft.com/office/drawing/2014/main" id="{2066034A-53DD-4CED-8188-DA59346DBABE}"/>
+                <a16:creationId xmlns:a16="http://schemas.microsoft.com/office/drawing/2014/main" id="{66AB45CF-5D48-415E-8971-E6C2F2FEF9E0}"/>
               </a:ext>
             </a:extLst>
           </p:cNvPr>
@@ -7333,7 +7819,7 @@
           <p:cNvPr id="5" name="Slide Number Placeholder 4">
             <a:extLst>
               <a:ext uri="{FF2B5EF4-FFF2-40B4-BE49-F238E27FC236}">
-                <a16:creationId xmlns:a16="http://schemas.microsoft.com/office/drawing/2014/main" id="{EE65B8D7-6F8E-4217-BCD2-C03D554183B4}"/>
+                <a16:creationId xmlns:a16="http://schemas.microsoft.com/office/drawing/2014/main" id="{1D8C31A9-4056-4487-831D-2CC65C3BC3B6}"/>
               </a:ext>
             </a:extLst>
           </p:cNvPr>
@@ -7360,7 +7846,7 @@
     </p:spTree>
     <p:extLst>
       <p:ext uri="{BB962C8B-B14F-4D97-AF65-F5344CB8AC3E}">
-        <p14:creationId xmlns:p14="http://schemas.microsoft.com/office/powerpoint/2010/main" val="3716498076"/>
+        <p14:creationId xmlns:p14="http://schemas.microsoft.com/office/powerpoint/2010/main" val="1254084253"/>
       </p:ext>
     </p:extLst>
   </p:cSld>
@@ -7389,13 +7875,7 @@
       </p:grpSpPr>
       <p:sp>
         <p:nvSpPr>
-          <p:cNvPr id="2" name="Title 1">
-            <a:extLst>
-              <a:ext uri="{FF2B5EF4-FFF2-40B4-BE49-F238E27FC236}">
-                <a16:creationId xmlns:a16="http://schemas.microsoft.com/office/drawing/2014/main" id="{2BE5D95C-416E-4AF2-9471-FE8010F21CA7}"/>
-              </a:ext>
-            </a:extLst>
-          </p:cNvPr>
+          <p:cNvPr id="2" name="Title 1"/>
           <p:cNvSpPr>
             <a:spLocks noGrp="1"/>
           </p:cNvSpPr>
@@ -7410,20 +7890,14 @@
           <a:p>
             <a:r>
               <a:rPr lang="en-US" dirty="0"/>
-              <a:t>Major Course Topics</a:t>
-            </a:r>
-          </a:p>
-        </p:txBody>
-      </p:sp>
-      <p:sp>
-        <p:nvSpPr>
-          <p:cNvPr id="3" name="Content Placeholder 2">
-            <a:extLst>
-              <a:ext uri="{FF2B5EF4-FFF2-40B4-BE49-F238E27FC236}">
-                <a16:creationId xmlns:a16="http://schemas.microsoft.com/office/drawing/2014/main" id="{93C6F7E8-5F3C-4FB9-9764-7B9FB3BB994D}"/>
-              </a:ext>
-            </a:extLst>
-          </p:cNvPr>
+              <a:t>Course Overview</a:t>
+            </a:r>
+          </a:p>
+        </p:txBody>
+      </p:sp>
+      <p:sp>
+        <p:nvSpPr>
+          <p:cNvPr id="3" name="Content Placeholder 2"/>
           <p:cNvSpPr>
             <a:spLocks noGrp="1"/>
           </p:cNvSpPr>
@@ -7433,8 +7907,8 @@
         </p:nvSpPr>
         <p:spPr>
           <a:xfrm>
-            <a:off x="344300" y="1730188"/>
-            <a:ext cx="8423182" cy="4625787"/>
+            <a:off x="317406" y="1864310"/>
+            <a:ext cx="8557653" cy="4357195"/>
           </a:xfrm>
         </p:spPr>
         <p:txBody>
@@ -7450,7 +7924,40 @@
             </a:pPr>
             <a:r>
               <a:rPr lang="en-US" dirty="0"/>
-              <a:t>Algorithmic thinking (how to devise solutions to problems)</a:t>
+              <a:t>CSE 101</a:t>
+            </a:r>
+          </a:p>
+          <a:p>
+            <a:pPr lvl="1">
+              <a:spcBef>
+                <a:spcPts val="0"/>
+              </a:spcBef>
+            </a:pPr>
+            <a:r>
+              <a:rPr lang="en-US" dirty="0"/>
+              <a:t>introduces the important, central ideas of computer science</a:t>
+            </a:r>
+          </a:p>
+          <a:p>
+            <a:pPr lvl="1">
+              <a:spcBef>
+                <a:spcPts val="0"/>
+              </a:spcBef>
+            </a:pPr>
+            <a:r>
+              <a:rPr lang="en-US" dirty="0"/>
+              <a:t>explores computational thinking and problem solving</a:t>
+            </a:r>
+          </a:p>
+          <a:p>
+            <a:pPr lvl="1">
+              <a:spcBef>
+                <a:spcPts val="0"/>
+              </a:spcBef>
+            </a:pPr>
+            <a:r>
+              <a:rPr lang="en-US" dirty="0"/>
+              <a:t>covers the fundamentals of computer programming</a:t>
             </a:r>
           </a:p>
           <a:p>
@@ -7459,10 +7966,7 @@
                 <a:spcPts val="0"/>
               </a:spcBef>
             </a:pPr>
-            <a:r>
-              <a:rPr lang="en-US" dirty="0"/>
-              <a:t>Introduction to computer programming using the Python programming language</a:t>
-            </a:r>
+            <a:endParaRPr lang="en-US" dirty="0"/>
           </a:p>
           <a:p>
             <a:pPr>
@@ -7472,7 +7976,60 @@
             </a:pPr>
             <a:r>
               <a:rPr lang="en-US" dirty="0"/>
-              <a:t>Basics of computer hardware</a:t>
+              <a:t>Computer science is the </a:t>
+            </a:r>
+            <a:r>
+              <a:rPr lang="en-US" i="1" dirty="0"/>
+              <a:t>study of problem solving with computers</a:t>
+            </a:r>
+          </a:p>
+          <a:p>
+            <a:pPr lvl="1">
+              <a:spcBef>
+                <a:spcPts val="0"/>
+              </a:spcBef>
+            </a:pPr>
+            <a:r>
+              <a:rPr lang="en-US" dirty="0"/>
+              <a:t>Astronomers don’t study telescopes. They </a:t>
+            </a:r>
+            <a:r>
+              <a:rPr lang="en-US" i="1" dirty="0"/>
+              <a:t>use </a:t>
+            </a:r>
+            <a:r>
+              <a:rPr lang="en-US" dirty="0"/>
+              <a:t>telescopes to study the stars!</a:t>
+            </a:r>
+          </a:p>
+          <a:p>
+            <a:pPr lvl="1">
+              <a:spcBef>
+                <a:spcPts val="0"/>
+              </a:spcBef>
+            </a:pPr>
+            <a:r>
+              <a:rPr lang="en-US" dirty="0"/>
+              <a:t>Likewise, computer professionals </a:t>
+            </a:r>
+            <a:r>
+              <a:rPr lang="en-US" i="1" dirty="0"/>
+              <a:t>use </a:t>
+            </a:r>
+            <a:r>
+              <a:rPr lang="en-US" dirty="0"/>
+              <a:t>computers to solve important problems in the modern world</a:t>
+            </a:r>
+          </a:p>
+          <a:p>
+            <a:pPr lvl="1">
+              <a:spcBef>
+                <a:spcPts val="0"/>
+              </a:spcBef>
+            </a:pPr>
+            <a:r>
+              <a:rPr lang="en-US" dirty="0"/>
+              <a:t>Computer scientists also build computers and software that makes the computer hum. </a:t>
             </a:r>
           </a:p>
           <a:p>
@@ -7481,10 +8038,7 @@
                 <a:spcPts val="0"/>
               </a:spcBef>
             </a:pPr>
-            <a:r>
-              <a:rPr lang="en-US" dirty="0"/>
-              <a:t>Data representation (how does the computer save data?)</a:t>
-            </a:r>
+            <a:endParaRPr lang="en-US" dirty="0"/>
           </a:p>
           <a:p>
             <a:pPr>
@@ -7494,62 +8048,15 @@
             </a:pPr>
             <a:r>
               <a:rPr lang="en-US" dirty="0"/>
-              <a:t>Data organization (how do we manage complex data?)</a:t>
-            </a:r>
-          </a:p>
-          <a:p>
-            <a:pPr>
-              <a:spcBef>
-                <a:spcPts val="0"/>
-              </a:spcBef>
-            </a:pPr>
-            <a:r>
-              <a:rPr lang="en-US" dirty="0"/>
-              <a:t>Program design, implementation (coding), testing and debugging</a:t>
-            </a:r>
-          </a:p>
-          <a:p>
-            <a:pPr>
-              <a:spcBef>
-                <a:spcPts val="0"/>
-              </a:spcBef>
-            </a:pPr>
-            <a:r>
-              <a:rPr lang="en-US" dirty="0"/>
-              <a:t>Limitations of computers</a:t>
-            </a:r>
-          </a:p>
-          <a:p>
-            <a:pPr>
-              <a:spcBef>
-                <a:spcPts val="0"/>
-              </a:spcBef>
-            </a:pPr>
-            <a:r>
-              <a:rPr lang="en-US" dirty="0"/>
-              <a:t>Introduction to natural language processing</a:t>
-            </a:r>
-          </a:p>
-          <a:p>
-            <a:pPr>
-              <a:spcBef>
-                <a:spcPts val="0"/>
-              </a:spcBef>
-            </a:pPr>
-            <a:r>
-              <a:rPr lang="en-US" dirty="0"/>
-              <a:t>Additional topics as time allows</a:t>
-            </a:r>
-          </a:p>
-          <a:p>
-            <a:pPr>
-              <a:spcBef>
-                <a:spcPts val="0"/>
-              </a:spcBef>
-            </a:pPr>
-            <a:r>
-              <a:rPr lang="en-US" dirty="0"/>
-              <a:t>Also, some of this list may be modified if we find other more interesting topics later</a:t>
+              <a:t>An important thread of this course is </a:t>
+            </a:r>
+            <a:r>
+              <a:rPr lang="en-US" b="1" dirty="0"/>
+              <a:t>computational thinking</a:t>
+            </a:r>
+            <a:r>
+              <a:rPr lang="en-US" dirty="0"/>
+              <a:t>, which is the way computer scientists think about and solve problems</a:t>
             </a:r>
           </a:p>
         </p:txBody>
@@ -7559,7 +8066,7 @@
           <p:cNvPr id="4" name="Footer Placeholder 3">
             <a:extLst>
               <a:ext uri="{FF2B5EF4-FFF2-40B4-BE49-F238E27FC236}">
-                <a16:creationId xmlns:a16="http://schemas.microsoft.com/office/drawing/2014/main" id="{22F6FDA9-1EB7-41B9-865D-38F117A67A4A}"/>
+                <a16:creationId xmlns:a16="http://schemas.microsoft.com/office/drawing/2014/main" id="{2066034A-53DD-4CED-8188-DA59346DBABE}"/>
               </a:ext>
             </a:extLst>
           </p:cNvPr>
@@ -7595,7 +8102,7 @@
           <p:cNvPr id="5" name="Slide Number Placeholder 4">
             <a:extLst>
               <a:ext uri="{FF2B5EF4-FFF2-40B4-BE49-F238E27FC236}">
-                <a16:creationId xmlns:a16="http://schemas.microsoft.com/office/drawing/2014/main" id="{AFAD9D85-9E43-4407-86B0-E74DB41C6CC2}"/>
+                <a16:creationId xmlns:a16="http://schemas.microsoft.com/office/drawing/2014/main" id="{EE65B8D7-6F8E-4217-BCD2-C03D554183B4}"/>
               </a:ext>
             </a:extLst>
           </p:cNvPr>
@@ -7622,7 +8129,7 @@
     </p:spTree>
     <p:extLst>
       <p:ext uri="{BB962C8B-B14F-4D97-AF65-F5344CB8AC3E}">
-        <p14:creationId xmlns:p14="http://schemas.microsoft.com/office/powerpoint/2010/main" val="1496267639"/>
+        <p14:creationId xmlns:p14="http://schemas.microsoft.com/office/powerpoint/2010/main" val="3716498076"/>
       </p:ext>
     </p:extLst>
   </p:cSld>
@@ -7651,7 +8158,13 @@
       </p:grpSpPr>
       <p:sp>
         <p:nvSpPr>
-          <p:cNvPr id="2" name="Title 1"/>
+          <p:cNvPr id="2" name="Title 1">
+            <a:extLst>
+              <a:ext uri="{FF2B5EF4-FFF2-40B4-BE49-F238E27FC236}">
+                <a16:creationId xmlns:a16="http://schemas.microsoft.com/office/drawing/2014/main" id="{2BE5D95C-416E-4AF2-9471-FE8010F21CA7}"/>
+              </a:ext>
+            </a:extLst>
+          </p:cNvPr>
           <p:cNvSpPr>
             <a:spLocks noGrp="1"/>
           </p:cNvSpPr>
@@ -7666,14 +8179,20 @@
           <a:p>
             <a:r>
               <a:rPr lang="en-US" dirty="0"/>
-              <a:t>Textbook</a:t>
-            </a:r>
-          </a:p>
-        </p:txBody>
-      </p:sp>
-      <p:sp>
-        <p:nvSpPr>
-          <p:cNvPr id="3" name="Content Placeholder 2"/>
+              <a:t>Major Course Topics</a:t>
+            </a:r>
+          </a:p>
+        </p:txBody>
+      </p:sp>
+      <p:sp>
+        <p:nvSpPr>
+          <p:cNvPr id="3" name="Content Placeholder 2">
+            <a:extLst>
+              <a:ext uri="{FF2B5EF4-FFF2-40B4-BE49-F238E27FC236}">
+                <a16:creationId xmlns:a16="http://schemas.microsoft.com/office/drawing/2014/main" id="{93C6F7E8-5F3C-4FB9-9764-7B9FB3BB994D}"/>
+              </a:ext>
+            </a:extLst>
+          </p:cNvPr>
           <p:cNvSpPr>
             <a:spLocks noGrp="1"/>
           </p:cNvSpPr>
@@ -7683,8 +8202,8 @@
         </p:nvSpPr>
         <p:spPr>
           <a:xfrm>
-            <a:off x="398088" y="1874156"/>
-            <a:ext cx="8476971" cy="4329420"/>
+            <a:off x="344300" y="1730188"/>
+            <a:ext cx="8423182" cy="4625787"/>
           </a:xfrm>
         </p:spPr>
         <p:txBody>
@@ -7698,30 +8217,7 @@
                 <a:spcPts val="0"/>
               </a:spcBef>
             </a:pPr>
-            <a:r>
-              <a:rPr lang="en-US" dirty="0"/>
-              <a:t>Required: </a:t>
-            </a:r>
-            <a:r>
-              <a:rPr lang="en-US" i="1" dirty="0">
-                <a:solidFill>
-                  <a:srgbClr val="FF0000"/>
-                </a:solidFill>
-              </a:rPr>
-              <a:t>Explorations in Computing: An Introduction to Computer Science and Python Programming </a:t>
-            </a:r>
-            <a:r>
-              <a:rPr lang="en-US" dirty="0"/>
-              <a:t>by John S. </a:t>
-            </a:r>
-            <a:r>
-              <a:rPr lang="en-US" dirty="0" err="1"/>
-              <a:t>Conery</a:t>
-            </a:r>
-            <a:r>
-              <a:rPr lang="en-US" dirty="0"/>
-              <a:t>. ISBN 978-1466572447</a:t>
-            </a:r>
+            <a:endParaRPr lang="en-US" dirty="0"/>
           </a:p>
           <a:p>
             <a:pPr>
@@ -7731,27 +8227,7 @@
             </a:pPr>
             <a:r>
               <a:rPr lang="en-US" dirty="0"/>
-              <a:t>Required: </a:t>
-            </a:r>
-            <a:r>
-              <a:rPr lang="en-US" i="1" dirty="0">
-                <a:solidFill>
-                  <a:srgbClr val="FF0000"/>
-                </a:solidFill>
-              </a:rPr>
-              <a:t>How to Code in Python 3  </a:t>
-            </a:r>
-            <a:r>
-              <a:rPr lang="en-US" dirty="0"/>
-              <a:t>by Lisa </a:t>
-            </a:r>
-            <a:r>
-              <a:rPr lang="en-US" dirty="0" err="1"/>
-              <a:t>Tagliaferri</a:t>
-            </a:r>
-            <a:r>
-              <a:rPr lang="en-US" dirty="0"/>
-              <a:t>. ISBN 978-0-9997730-1-7</a:t>
+              <a:t>Algorithmic thinking (how to devise solutions to problems)</a:t>
             </a:r>
           </a:p>
           <a:p>
@@ -7762,19 +8238,7 @@
             </a:pPr>
             <a:r>
               <a:rPr lang="en-US" dirty="0"/>
-              <a:t>Optional, free: </a:t>
-            </a:r>
-            <a:r>
-              <a:rPr lang="en-US" i="1" dirty="0">
-                <a:solidFill>
-                  <a:srgbClr val="FF0000"/>
-                </a:solidFill>
-              </a:rPr>
-              <a:t>Blown to Bits </a:t>
-            </a:r>
-            <a:r>
-              <a:rPr lang="en-US" dirty="0"/>
-              <a:t>by Hal Abelson, Ken Ledeen, and Harry Lewis. ISBN 0137135599. Download from www.bitsbook.com</a:t>
+              <a:t>Flowcharting</a:t>
             </a:r>
           </a:p>
           <a:p>
@@ -7785,23 +8249,7 @@
             </a:pPr>
             <a:r>
               <a:rPr lang="en-US" dirty="0"/>
-              <a:t>Necessary software: Python (www.python.org/downloads) and </a:t>
-            </a:r>
-            <a:r>
-              <a:rPr lang="en-US" dirty="0" err="1"/>
-              <a:t>PyCharm</a:t>
-            </a:r>
-            <a:endParaRPr lang="en-US" dirty="0"/>
-          </a:p>
-          <a:p>
-            <a:pPr lvl="1">
-              <a:spcBef>
-                <a:spcPts val="0"/>
-              </a:spcBef>
-            </a:pPr>
-            <a:r>
-              <a:rPr lang="en-US" dirty="0"/>
-              <a:t>These are all free!</a:t>
+              <a:t>Introduction to computer programming using the Python programming language</a:t>
             </a:r>
           </a:p>
           <a:p>
@@ -7812,7 +8260,7 @@
             </a:pPr>
             <a:r>
               <a:rPr lang="en-US" dirty="0"/>
-              <a:t>Download links will be available on the course website</a:t>
+              <a:t>Basics of computer hardware</a:t>
             </a:r>
           </a:p>
           <a:p>
@@ -7823,7 +8271,73 @@
             </a:pPr>
             <a:r>
               <a:rPr lang="en-US" dirty="0"/>
-              <a:t>We will use one of the first few classes to setup the software and get familiar with it</a:t>
+              <a:t>Data representation (how does the computer save data?)</a:t>
+            </a:r>
+          </a:p>
+          <a:p>
+            <a:pPr>
+              <a:spcBef>
+                <a:spcPts val="0"/>
+              </a:spcBef>
+            </a:pPr>
+            <a:r>
+              <a:rPr lang="en-US" dirty="0"/>
+              <a:t>Data organization (how do we manage complex data?)</a:t>
+            </a:r>
+          </a:p>
+          <a:p>
+            <a:pPr>
+              <a:spcBef>
+                <a:spcPts val="0"/>
+              </a:spcBef>
+            </a:pPr>
+            <a:r>
+              <a:rPr lang="en-US" dirty="0"/>
+              <a:t>Program design, implementation (coding), testing and debugging</a:t>
+            </a:r>
+          </a:p>
+          <a:p>
+            <a:pPr>
+              <a:spcBef>
+                <a:spcPts val="0"/>
+              </a:spcBef>
+            </a:pPr>
+            <a:r>
+              <a:rPr lang="en-US" dirty="0"/>
+              <a:t>Limitations of computers</a:t>
+            </a:r>
+          </a:p>
+          <a:p>
+            <a:pPr>
+              <a:spcBef>
+                <a:spcPts val="0"/>
+              </a:spcBef>
+            </a:pPr>
+            <a:r>
+              <a:rPr lang="en-US" dirty="0"/>
+              <a:t>Introduction to natural language processing</a:t>
+            </a:r>
+          </a:p>
+          <a:p>
+            <a:pPr>
+              <a:spcBef>
+                <a:spcPts val="0"/>
+              </a:spcBef>
+            </a:pPr>
+            <a:r>
+              <a:rPr lang="en-US" dirty="0"/>
+              <a:t>Additional topics as time allows</a:t>
+            </a:r>
+          </a:p>
+          <a:p>
+            <a:pPr>
+              <a:spcBef>
+                <a:spcPts val="0"/>
+              </a:spcBef>
+            </a:pPr>
+            <a:r>
+              <a:rPr lang="en-US" dirty="0"/>
+              <a:t>Also, some of this list may be modified if we find other more interesting topics later</a:t>
             </a:r>
           </a:p>
         </p:txBody>
@@ -7833,7 +8347,7 @@
           <p:cNvPr id="4" name="Footer Placeholder 3">
             <a:extLst>
               <a:ext uri="{FF2B5EF4-FFF2-40B4-BE49-F238E27FC236}">
-                <a16:creationId xmlns:a16="http://schemas.microsoft.com/office/drawing/2014/main" id="{A0F6DE23-77C1-4B02-99C2-67415E770FB5}"/>
+                <a16:creationId xmlns:a16="http://schemas.microsoft.com/office/drawing/2014/main" id="{22F6FDA9-1EB7-41B9-865D-38F117A67A4A}"/>
               </a:ext>
             </a:extLst>
           </p:cNvPr>
@@ -7869,7 +8383,7 @@
           <p:cNvPr id="5" name="Slide Number Placeholder 4">
             <a:extLst>
               <a:ext uri="{FF2B5EF4-FFF2-40B4-BE49-F238E27FC236}">
-                <a16:creationId xmlns:a16="http://schemas.microsoft.com/office/drawing/2014/main" id="{2AC3B022-F2FD-470D-9892-B4D88F4FB879}"/>
+                <a16:creationId xmlns:a16="http://schemas.microsoft.com/office/drawing/2014/main" id="{AFAD9D85-9E43-4407-86B0-E74DB41C6CC2}"/>
               </a:ext>
             </a:extLst>
           </p:cNvPr>
@@ -7896,7 +8410,7 @@
     </p:spTree>
     <p:extLst>
       <p:ext uri="{BB962C8B-B14F-4D97-AF65-F5344CB8AC3E}">
-        <p14:creationId xmlns:p14="http://schemas.microsoft.com/office/powerpoint/2010/main" val="486572947"/>
+        <p14:creationId xmlns:p14="http://schemas.microsoft.com/office/powerpoint/2010/main" val="1496267639"/>
       </p:ext>
     </p:extLst>
   </p:cSld>
@@ -7940,130 +8454,8 @@
           <a:p>
             <a:r>
               <a:rPr lang="en-US" dirty="0"/>
-              <a:t>Homework Assignments</a:t>
-            </a:r>
-          </a:p>
-        </p:txBody>
-      </p:sp>
-      <p:sp>
-        <p:nvSpPr>
-          <p:cNvPr id="3" name="Content Placeholder 2"/>
-          <p:cNvSpPr>
-            <a:spLocks noGrp="1"/>
-          </p:cNvSpPr>
-          <p:nvPr>
-            <p:ph idx="1"/>
-          </p:nvPr>
-        </p:nvSpPr>
-        <p:spPr>
-          <a:xfrm>
-            <a:off x="389122" y="1766046"/>
-            <a:ext cx="8432149" cy="4589929"/>
-          </a:xfrm>
-        </p:spPr>
-        <p:txBody>
-          <a:bodyPr>
-            <a:normAutofit/>
-          </a:bodyPr>
-          <a:lstStyle/>
-          <a:p>
-            <a:pPr>
-              <a:spcBef>
-                <a:spcPts val="0"/>
-              </a:spcBef>
-            </a:pPr>
-            <a:r>
-              <a:rPr lang="en-US" dirty="0"/>
-              <a:t>Over the course of the term you will be required to solve computational problems by writing software in Python</a:t>
-            </a:r>
-          </a:p>
-          <a:p>
-            <a:pPr>
-              <a:spcBef>
-                <a:spcPts val="0"/>
-              </a:spcBef>
-            </a:pPr>
-            <a:r>
-              <a:rPr lang="en-US" dirty="0"/>
-              <a:t>These homework assignments will reinforce concepts from class and have you explore new concepts, too</a:t>
-            </a:r>
-          </a:p>
-          <a:p>
-            <a:pPr>
-              <a:spcBef>
-                <a:spcPts val="0"/>
-              </a:spcBef>
-            </a:pPr>
-            <a:r>
-              <a:rPr lang="en-US" dirty="0"/>
-              <a:t>All work will due on fixed dates and times</a:t>
-            </a:r>
-          </a:p>
-          <a:p>
-            <a:pPr>
-              <a:spcBef>
-                <a:spcPts val="0"/>
-              </a:spcBef>
-            </a:pPr>
-            <a:r>
-              <a:rPr lang="en-US" dirty="0"/>
-              <a:t>All work will be completed on an individual basis (write your own code) </a:t>
-            </a:r>
-            <a:r>
-              <a:rPr lang="en-US" i="1" dirty="0"/>
-              <a:t>unless otherwise instructed</a:t>
-            </a:r>
-            <a:r>
-              <a:rPr lang="en-US" dirty="0"/>
-              <a:t>!</a:t>
-            </a:r>
-          </a:p>
-          <a:p>
-            <a:pPr>
-              <a:spcBef>
-                <a:spcPts val="0"/>
-              </a:spcBef>
-            </a:pPr>
-            <a:r>
-              <a:rPr lang="en-US" dirty="0"/>
-              <a:t>You will use </a:t>
-            </a:r>
-            <a:r>
-              <a:rPr lang="en-US" b="1" dirty="0"/>
-              <a:t>Blackboard </a:t>
-            </a:r>
-            <a:r>
-              <a:rPr lang="en-US" dirty="0"/>
-              <a:t>to submit your completed assignments</a:t>
-            </a:r>
-          </a:p>
-          <a:p>
-            <a:pPr>
-              <a:spcBef>
-                <a:spcPts val="0"/>
-              </a:spcBef>
-            </a:pPr>
-            <a:r>
-              <a:rPr lang="en-US" dirty="0"/>
-              <a:t>Please start early on the assignments! Most students find that completing the homework assignments for CSE 101 takes </a:t>
-            </a:r>
-            <a:r>
-              <a:rPr lang="en-US" b="1" dirty="0"/>
-              <a:t>a lot </a:t>
-            </a:r>
-            <a:r>
-              <a:rPr lang="en-US" dirty="0"/>
-              <a:t>longer than they anticipated</a:t>
-            </a:r>
-          </a:p>
-          <a:p>
-            <a:pPr marL="0" indent="0">
-              <a:spcBef>
-                <a:spcPts val="0"/>
-              </a:spcBef>
-              <a:buNone/>
-            </a:pPr>
-            <a:endParaRPr lang="en-US" dirty="0"/>
+              <a:t>Textbooks</a:t>
+            </a:r>
           </a:p>
         </p:txBody>
       </p:sp>
@@ -8072,7 +8464,7 @@
           <p:cNvPr id="4" name="Footer Placeholder 3">
             <a:extLst>
               <a:ext uri="{FF2B5EF4-FFF2-40B4-BE49-F238E27FC236}">
-                <a16:creationId xmlns:a16="http://schemas.microsoft.com/office/drawing/2014/main" id="{5F96E361-E938-4823-A54F-1E02FD617F9F}"/>
+                <a16:creationId xmlns:a16="http://schemas.microsoft.com/office/drawing/2014/main" id="{A0F6DE23-77C1-4B02-99C2-67415E770FB5}"/>
               </a:ext>
             </a:extLst>
           </p:cNvPr>
@@ -8108,7 +8500,7 @@
           <p:cNvPr id="5" name="Slide Number Placeholder 4">
             <a:extLst>
               <a:ext uri="{FF2B5EF4-FFF2-40B4-BE49-F238E27FC236}">
-                <a16:creationId xmlns:a16="http://schemas.microsoft.com/office/drawing/2014/main" id="{D6D13B4E-3C08-4202-A33A-B8A93087FAC9}"/>
+                <a16:creationId xmlns:a16="http://schemas.microsoft.com/office/drawing/2014/main" id="{2AC3B022-F2FD-470D-9892-B4D88F4FB879}"/>
               </a:ext>
             </a:extLst>
           </p:cNvPr>
@@ -8132,10 +8524,159 @@
           </a:p>
         </p:txBody>
       </p:sp>
+      <p:pic>
+        <p:nvPicPr>
+          <p:cNvPr id="1028" name="Picture 4" descr="https://ppawar.github.io/CSE101-S19/EIC_Conery_Image.jpg">
+            <a:extLst>
+              <a:ext uri="{FF2B5EF4-FFF2-40B4-BE49-F238E27FC236}">
+                <a16:creationId xmlns:a16="http://schemas.microsoft.com/office/drawing/2014/main" id="{BF02DFCA-8699-45EE-B4D7-36663143C38F}"/>
+              </a:ext>
+            </a:extLst>
+          </p:cNvPr>
+          <p:cNvPicPr>
+            <a:picLocks noChangeAspect="1" noChangeArrowheads="1"/>
+          </p:cNvPicPr>
+          <p:nvPr/>
+        </p:nvPicPr>
+        <p:blipFill>
+          <a:blip r:embed="rId2">
+            <a:extLst>
+              <a:ext uri="{28A0092B-C50C-407E-A947-70E740481C1C}">
+                <a14:useLocalDpi xmlns:a14="http://schemas.microsoft.com/office/drawing/2010/main" val="0"/>
+              </a:ext>
+            </a:extLst>
+          </a:blip>
+          <a:srcRect/>
+          <a:stretch>
+            <a:fillRect/>
+          </a:stretch>
+        </p:blipFill>
+        <p:spPr bwMode="auto">
+          <a:xfrm>
+            <a:off x="642938" y="1874156"/>
+            <a:ext cx="2619375" cy="3810000"/>
+          </a:xfrm>
+          <a:prstGeom prst="rect">
+            <a:avLst/>
+          </a:prstGeom>
+          <a:noFill/>
+          <a:extLst>
+            <a:ext uri="{909E8E84-426E-40DD-AFC4-6F175D3DCCD1}">
+              <a14:hiddenFill xmlns:a14="http://schemas.microsoft.com/office/drawing/2010/main">
+                <a:solidFill>
+                  <a:srgbClr val="FFFFFF"/>
+                </a:solidFill>
+              </a14:hiddenFill>
+            </a:ext>
+          </a:extLst>
+        </p:spPr>
+      </p:pic>
+      <p:pic>
+        <p:nvPicPr>
+          <p:cNvPr id="1030" name="Picture 6" descr="https://ppawar.github.io/CSE101-S19/index_files/image002.jpg">
+            <a:extLst>
+              <a:ext uri="{FF2B5EF4-FFF2-40B4-BE49-F238E27FC236}">
+                <a16:creationId xmlns:a16="http://schemas.microsoft.com/office/drawing/2014/main" id="{04802315-B6E0-4864-853C-1922774DAFC0}"/>
+              </a:ext>
+            </a:extLst>
+          </p:cNvPr>
+          <p:cNvPicPr>
+            <a:picLocks noChangeAspect="1" noChangeArrowheads="1"/>
+          </p:cNvPicPr>
+          <p:nvPr/>
+        </p:nvPicPr>
+        <p:blipFill>
+          <a:blip r:embed="rId3">
+            <a:extLst>
+              <a:ext uri="{28A0092B-C50C-407E-A947-70E740481C1C}">
+                <a14:useLocalDpi xmlns:a14="http://schemas.microsoft.com/office/drawing/2010/main" val="0"/>
+              </a:ext>
+            </a:extLst>
+          </a:blip>
+          <a:srcRect/>
+          <a:stretch>
+            <a:fillRect/>
+          </a:stretch>
+        </p:blipFill>
+        <p:spPr bwMode="auto">
+          <a:xfrm>
+            <a:off x="3429000" y="1849272"/>
+            <a:ext cx="2525966" cy="3809999"/>
+          </a:xfrm>
+          <a:prstGeom prst="rect">
+            <a:avLst/>
+          </a:prstGeom>
+          <a:noFill/>
+          <a:extLst>
+            <a:ext uri="{909E8E84-426E-40DD-AFC4-6F175D3DCCD1}">
+              <a14:hiddenFill xmlns:a14="http://schemas.microsoft.com/office/drawing/2010/main">
+                <a:solidFill>
+                  <a:srgbClr val="FFFFFF"/>
+                </a:solidFill>
+              </a14:hiddenFill>
+            </a:ext>
+          </a:extLst>
+        </p:spPr>
+      </p:pic>
+      <p:sp>
+        <p:nvSpPr>
+          <p:cNvPr id="6" name="Content Placeholder 5">
+            <a:extLst>
+              <a:ext uri="{FF2B5EF4-FFF2-40B4-BE49-F238E27FC236}">
+                <a16:creationId xmlns:a16="http://schemas.microsoft.com/office/drawing/2014/main" id="{5F82F350-1D16-4D2C-A2E0-75F4FC87F3F3}"/>
+              </a:ext>
+            </a:extLst>
+          </p:cNvPr>
+          <p:cNvSpPr>
+            <a:spLocks noGrp="1"/>
+          </p:cNvSpPr>
+          <p:nvPr>
+            <p:ph idx="1"/>
+          </p:nvPr>
+        </p:nvSpPr>
+        <p:spPr/>
+        <p:txBody>
+          <a:bodyPr/>
+          <a:lstStyle/>
+          <a:p>
+            <a:endParaRPr lang="en-US" dirty="0"/>
+          </a:p>
+        </p:txBody>
+      </p:sp>
+      <p:pic>
+        <p:nvPicPr>
+          <p:cNvPr id="7" name="Picture 6">
+            <a:extLst>
+              <a:ext uri="{FF2B5EF4-FFF2-40B4-BE49-F238E27FC236}">
+                <a16:creationId xmlns:a16="http://schemas.microsoft.com/office/drawing/2014/main" id="{3D432357-0AA8-4EE5-82C4-7B17FFA3A188}"/>
+              </a:ext>
+            </a:extLst>
+          </p:cNvPr>
+          <p:cNvPicPr>
+            <a:picLocks noChangeAspect="1"/>
+          </p:cNvPicPr>
+          <p:nvPr/>
+        </p:nvPicPr>
+        <p:blipFill>
+          <a:blip r:embed="rId4"/>
+          <a:stretch>
+            <a:fillRect/>
+          </a:stretch>
+        </p:blipFill>
+        <p:spPr>
+          <a:xfrm>
+            <a:off x="5967830" y="1845734"/>
+            <a:ext cx="2868890" cy="4023360"/>
+          </a:xfrm>
+          <a:prstGeom prst="rect">
+            <a:avLst/>
+          </a:prstGeom>
+        </p:spPr>
+      </p:pic>
     </p:spTree>
     <p:extLst>
       <p:ext uri="{BB962C8B-B14F-4D97-AF65-F5344CB8AC3E}">
-        <p14:creationId xmlns:p14="http://schemas.microsoft.com/office/powerpoint/2010/main" val="2710503015"/>
+        <p14:creationId xmlns:p14="http://schemas.microsoft.com/office/powerpoint/2010/main" val="486572947"/>
       </p:ext>
     </p:extLst>
   </p:cSld>

--- a/CSE101-S19/Slides/PPT/CSE101_Lec0.pptx
+++ b/CSE101-S19/Slides/PPT/CSE101_Lec0.pptx
@@ -228,7 +228,7 @@
           <a:p>
             <a:fld id="{672A025E-C960-4AB6-8E8E-0EE6D13ED4ED}" type="datetimeFigureOut">
               <a:rPr lang="en-US" smtClean="0"/>
-              <a:t>2/24/2019</a:t>
+              <a:t>2/25/2019</a:t>
             </a:fld>
             <a:endParaRPr lang="en-US"/>
           </a:p>
@@ -721,7 +721,7 @@
           <a:p>
             <a:fld id="{C9450245-6F3E-4E49-A01A-33C72AF40E97}" type="datetime1">
               <a:rPr lang="en-US" smtClean="0"/>
-              <a:t>2/24/2019</a:t>
+              <a:t>2/25/2019</a:t>
             </a:fld>
             <a:endParaRPr lang="en-US" dirty="0"/>
           </a:p>
@@ -933,7 +933,7 @@
           <a:p>
             <a:fld id="{9D941E2E-9E30-4203-ABFC-10F381BF2A12}" type="datetime1">
               <a:rPr lang="en-US" smtClean="0"/>
-              <a:t>2/24/2019</a:t>
+              <a:t>2/25/2019</a:t>
             </a:fld>
             <a:endParaRPr lang="en-US"/>
           </a:p>
@@ -1194,7 +1194,7 @@
           <a:p>
             <a:fld id="{9D941E2E-9E30-4203-ABFC-10F381BF2A12}" type="datetime1">
               <a:rPr lang="en-US" smtClean="0"/>
-              <a:t>2/24/2019</a:t>
+              <a:t>2/25/2019</a:t>
             </a:fld>
             <a:endParaRPr lang="en-US"/>
           </a:p>
@@ -1369,7 +1369,7 @@
           <a:p>
             <a:fld id="{9D941E2E-9E30-4203-ABFC-10F381BF2A12}" type="datetime1">
               <a:rPr lang="en-US" smtClean="0"/>
-              <a:t>2/24/2019</a:t>
+              <a:t>2/25/2019</a:t>
             </a:fld>
             <a:endParaRPr lang="en-US"/>
           </a:p>
@@ -1717,7 +1717,7 @@
           <a:p>
             <a:fld id="{51173CD0-6D6C-4FEA-9A98-7F5E7DAD237A}" type="datetime1">
               <a:rPr lang="en-US" smtClean="0"/>
-              <a:t>2/24/2019</a:t>
+              <a:t>2/25/2019</a:t>
             </a:fld>
             <a:endParaRPr lang="en-US"/>
           </a:p>
@@ -1996,7 +1996,7 @@
           <a:p>
             <a:fld id="{9D941E2E-9E30-4203-ABFC-10F381BF2A12}" type="datetime1">
               <a:rPr lang="en-US" smtClean="0"/>
-              <a:t>2/24/2019</a:t>
+              <a:t>2/25/2019</a:t>
             </a:fld>
             <a:endParaRPr lang="en-US"/>
           </a:p>
@@ -2380,7 +2380,7 @@
           <a:p>
             <a:fld id="{9D941E2E-9E30-4203-ABFC-10F381BF2A12}" type="datetime1">
               <a:rPr lang="en-US" smtClean="0"/>
-              <a:t>2/24/2019</a:t>
+              <a:t>2/25/2019</a:t>
             </a:fld>
             <a:endParaRPr lang="en-US"/>
           </a:p>
@@ -2503,7 +2503,7 @@
           <a:p>
             <a:fld id="{4C94B876-920C-40A7-A429-70EA2E711116}" type="datetime1">
               <a:rPr lang="en-US" smtClean="0"/>
-              <a:t>2/24/2019</a:t>
+              <a:t>2/25/2019</a:t>
             </a:fld>
             <a:endParaRPr lang="en-US"/>
           </a:p>
@@ -2678,7 +2678,7 @@
           <a:p>
             <a:fld id="{687BB759-A4D2-4F8B-AEBE-C918CFB723A5}" type="datetime1">
               <a:rPr lang="en-US" smtClean="0"/>
-              <a:t>2/24/2019</a:t>
+              <a:t>2/25/2019</a:t>
             </a:fld>
             <a:endParaRPr lang="en-US"/>
           </a:p>
@@ -3036,7 +3036,7 @@
           <a:p>
             <a:fld id="{9D941E2E-9E30-4203-ABFC-10F381BF2A12}" type="datetime1">
               <a:rPr lang="en-US" smtClean="0"/>
-              <a:t>2/24/2019</a:t>
+              <a:t>2/25/2019</a:t>
             </a:fld>
             <a:endParaRPr lang="en-US"/>
           </a:p>
@@ -3423,7 +3423,7 @@
           <a:p>
             <a:fld id="{B7BE5A15-D7AD-40D4-96ED-A55891BF6EC5}" type="datetime1">
               <a:rPr lang="en-US" smtClean="0"/>
-              <a:t>2/24/2019</a:t>
+              <a:t>2/25/2019</a:t>
             </a:fld>
             <a:endParaRPr lang="en-US"/>
           </a:p>
@@ -3714,7 +3714,7 @@
           <a:p>
             <a:fld id="{9D941E2E-9E30-4203-ABFC-10F381BF2A12}" type="datetime1">
               <a:rPr lang="en-US" smtClean="0"/>
-              <a:t>2/24/2019</a:t>
+              <a:t>2/25/2019</a:t>
             </a:fld>
             <a:endParaRPr lang="en-US"/>
           </a:p>
@@ -6498,7 +6498,7 @@
             </a:pPr>
             <a:r>
               <a:rPr lang="en-US" dirty="0"/>
-              <a:t>                      place: b103</a:t>
+              <a:t>                      place: B103</a:t>
             </a:r>
           </a:p>
           <a:p>
@@ -7333,7 +7333,17 @@
             </a:r>
             <a:r>
               <a:rPr lang="en-US" dirty="0"/>
-              <a:t> Maitra (MS), 010-5923-3726, mayukh.maitra@stonybrook.edu</a:t>
+              <a:t> Maitra (MS), 010-5923-3726, </a:t>
+            </a:r>
+            <a:r>
+              <a:rPr lang="en-US" dirty="0">
+                <a:hlinkClick r:id="rId2"/>
+              </a:rPr>
+              <a:t>mayukh.maitra@stonybrook.edu</a:t>
+            </a:r>
+            <a:r>
+              <a:rPr lang="en-US" dirty="0"/>
+              <a:t> </a:t>
             </a:r>
           </a:p>
           <a:p>
@@ -7352,7 +7362,7 @@
             </a:r>
             <a:r>
               <a:rPr lang="en-US" dirty="0">
-                <a:hlinkClick r:id="rId2"/>
+                <a:hlinkClick r:id="rId3"/>
               </a:rPr>
               <a:t>salman.qavi@stonybrook.edu</a:t>
             </a:r>
@@ -7374,12 +7384,8 @@
           <a:p>
             <a:pPr lvl="2"/>
             <a:r>
-              <a:rPr lang="en-US" dirty="0" err="1"/>
-              <a:t>Sigauke</a:t>
-            </a:r>
-            <a:r>
-              <a:rPr lang="en-US" dirty="0"/>
-              <a:t> </a:t>
+              <a:rPr lang="en-US" dirty="0"/>
+              <a:t>Sigauke </a:t>
             </a:r>
             <a:r>
               <a:rPr lang="en-US" dirty="0" err="1"/>
@@ -7387,7 +7393,17 @@
             </a:r>
             <a:r>
               <a:rPr lang="en-US" dirty="0"/>
-              <a:t> (UG), cogitater.sigauke@stonybrook.edu</a:t>
+              <a:t> (UG), </a:t>
+            </a:r>
+            <a:r>
+              <a:rPr lang="en-US" dirty="0">
+                <a:hlinkClick r:id="rId4"/>
+              </a:rPr>
+              <a:t>cogitater.sigauke@stonybrook.edu</a:t>
+            </a:r>
+            <a:r>
+              <a:rPr lang="en-US" dirty="0"/>
+              <a:t> </a:t>
             </a:r>
           </a:p>
           <a:p>
@@ -7398,7 +7414,17 @@
             </a:r>
             <a:r>
               <a:rPr lang="en-US" dirty="0"/>
-              <a:t> Jeon (UG), 010-6631-9309, soyoon.jeon@stonybrook.edu</a:t>
+              <a:t> Jeon (UG), 010-6631-9309, </a:t>
+            </a:r>
+            <a:r>
+              <a:rPr lang="en-US" dirty="0">
+                <a:hlinkClick r:id="rId5"/>
+              </a:rPr>
+              <a:t>soyoon.jeon@stonybrook.edu</a:t>
+            </a:r>
+            <a:r>
+              <a:rPr lang="en-US" dirty="0"/>
+              <a:t> </a:t>
             </a:r>
           </a:p>
           <a:p>
@@ -7409,7 +7435,17 @@
             </a:r>
             <a:r>
               <a:rPr lang="en-US" dirty="0"/>
-              <a:t> Kim (UG), 010-9413-3996, soomin.kim.1@stonybrook.edu</a:t>
+              <a:t> Kim (UG), 010-9413-3996, </a:t>
+            </a:r>
+            <a:r>
+              <a:rPr lang="en-US" dirty="0">
+                <a:hlinkClick r:id="rId6"/>
+              </a:rPr>
+              <a:t>soomin.kim.1@stonybrook.edu</a:t>
+            </a:r>
+            <a:r>
+              <a:rPr lang="en-US" dirty="0"/>
+              <a:t> </a:t>
             </a:r>
           </a:p>
           <a:p>
@@ -7420,7 +7456,17 @@
             </a:r>
             <a:r>
               <a:rPr lang="en-US" dirty="0"/>
-              <a:t> Kim (UG), 010-4187-7700, yoora.kim@stonybrook.edu</a:t>
+              <a:t> Kim (UG), 010-4187-7700, </a:t>
+            </a:r>
+            <a:r>
+              <a:rPr lang="en-US" dirty="0">
+                <a:hlinkClick r:id="rId7"/>
+              </a:rPr>
+              <a:t>yoora.kim@stonybrook.edu</a:t>
+            </a:r>
+            <a:r>
+              <a:rPr lang="en-US" dirty="0"/>
+              <a:t> </a:t>
             </a:r>
           </a:p>
           <a:p>
@@ -7431,14 +7477,34 @@
             </a:r>
             <a:r>
               <a:rPr lang="en-US" dirty="0"/>
-              <a:t> Park (UG), 010-5272-2810, changhyun.park@stonybrook.edu</a:t>
+              <a:t> Park (UG), 010-5272-2810, </a:t>
+            </a:r>
+            <a:r>
+              <a:rPr lang="en-US" dirty="0">
+                <a:hlinkClick r:id="rId8"/>
+              </a:rPr>
+              <a:t>changhyun.park@stonybrook.edu</a:t>
+            </a:r>
+            <a:r>
+              <a:rPr lang="en-US" dirty="0"/>
+              <a:t> </a:t>
             </a:r>
           </a:p>
           <a:p>
             <a:pPr lvl="2"/>
             <a:r>
               <a:rPr lang="en-US" dirty="0"/>
-              <a:t>Jong Kwon Park (UG), 010-5493-0150, jongkwon.park@stonybrook.edu</a:t>
+              <a:t>Jong Kwon Park (UG), 010-5493-0150, </a:t>
+            </a:r>
+            <a:r>
+              <a:rPr lang="en-US" dirty="0">
+                <a:hlinkClick r:id="rId9"/>
+              </a:rPr>
+              <a:t>jongkwon.park@stonybrook.edu</a:t>
+            </a:r>
+            <a:r>
+              <a:rPr lang="en-US" dirty="0"/>
+              <a:t> </a:t>
             </a:r>
           </a:p>
         </p:txBody>
